--- a/presentation.pptx
+++ b/presentation.pptx
@@ -9,9 +9,7 @@
     <p:sldId id="257" r:id="rId3"/>
     <p:sldId id="259" r:id="rId4"/>
     <p:sldId id="261" r:id="rId5"/>
-    <p:sldId id="262" r:id="rId6"/>
-    <p:sldId id="258" r:id="rId7"/>
-    <p:sldId id="260" r:id="rId8"/>
+    <p:sldId id="263" r:id="rId6"/>
   </p:sldIdLst>
   <p:sldSz cx="12192000" cy="6858000"/>
   <p:notesSz cx="6858000" cy="9144000"/>
@@ -3478,14 +3476,14 @@
         </p:nvSpPr>
         <p:spPr>
           <a:xfrm>
-            <a:off x="9511933" y="0"/>
-            <a:ext cx="2680067" cy="6858000"/>
+            <a:off x="1" y="0"/>
+            <a:ext cx="12192000" cy="6858000"/>
           </a:xfrm>
           <a:prstGeom prst="rect">
             <a:avLst/>
           </a:prstGeom>
           <a:solidFill>
-            <a:srgbClr val="0A7A9B"/>
+            <a:schemeClr val="tx1"/>
           </a:solidFill>
           <a:ln>
             <a:noFill/>
@@ -3518,58 +3516,6 @@
       </p:sp>
       <p:sp>
         <p:nvSpPr>
-          <p:cNvPr id="8" name="Rectangle 7">
-            <a:extLst>
-              <a:ext uri="{FF2B5EF4-FFF2-40B4-BE49-F238E27FC236}">
-                <a16:creationId xmlns:a16="http://schemas.microsoft.com/office/drawing/2014/main" id="{45294CDC-2FDF-D441-9C7C-88994F25DF30}"/>
-              </a:ext>
-            </a:extLst>
-          </p:cNvPr>
-          <p:cNvSpPr/>
-          <p:nvPr/>
-        </p:nvSpPr>
-        <p:spPr>
-          <a:xfrm>
-            <a:off x="0" y="5008098"/>
-            <a:ext cx="9917723" cy="1849902"/>
-          </a:xfrm>
-          <a:prstGeom prst="rect">
-            <a:avLst/>
-          </a:prstGeom>
-          <a:solidFill>
-            <a:srgbClr val="0A7A9B"/>
-          </a:solidFill>
-          <a:ln>
-            <a:noFill/>
-          </a:ln>
-        </p:spPr>
-        <p:style>
-          <a:lnRef idx="2">
-            <a:schemeClr val="accent1">
-              <a:shade val="50000"/>
-            </a:schemeClr>
-          </a:lnRef>
-          <a:fillRef idx="1">
-            <a:schemeClr val="accent1"/>
-          </a:fillRef>
-          <a:effectRef idx="0">
-            <a:schemeClr val="accent1"/>
-          </a:effectRef>
-          <a:fontRef idx="minor">
-            <a:schemeClr val="lt1"/>
-          </a:fontRef>
-        </p:style>
-        <p:txBody>
-          <a:bodyPr rtlCol="0" anchor="ctr"/>
-          <a:lstStyle/>
-          <a:p>
-            <a:pPr algn="ctr"/>
-            <a:endParaRPr lang="en-US"/>
-          </a:p>
-        </p:txBody>
-      </p:sp>
-      <p:sp>
-        <p:nvSpPr>
           <p:cNvPr id="9" name="TextBox 8">
             <a:extLst>
               <a:ext uri="{FF2B5EF4-FFF2-40B4-BE49-F238E27FC236}">
@@ -3612,10 +3558,10 @@
       </p:sp>
       <p:sp>
         <p:nvSpPr>
-          <p:cNvPr id="10" name="TextBox 9">
-            <a:extLst>
-              <a:ext uri="{FF2B5EF4-FFF2-40B4-BE49-F238E27FC236}">
-                <a16:creationId xmlns:a16="http://schemas.microsoft.com/office/drawing/2014/main" id="{7B390D23-70DC-A245-A764-199E8047D0B8}"/>
+          <p:cNvPr id="13" name="TextBox 12">
+            <a:extLst>
+              <a:ext uri="{FF2B5EF4-FFF2-40B4-BE49-F238E27FC236}">
+                <a16:creationId xmlns:a16="http://schemas.microsoft.com/office/drawing/2014/main" id="{C0E5A696-E748-F848-AB10-AEAEC4D25FBC}"/>
               </a:ext>
             </a:extLst>
           </p:cNvPr>
@@ -3624,8 +3570,8 @@
         </p:nvSpPr>
         <p:spPr>
           <a:xfrm>
-            <a:off x="6583680" y="5297269"/>
-            <a:ext cx="5143402" cy="646331"/>
+            <a:off x="3306077" y="2055727"/>
+            <a:ext cx="5143402" cy="769441"/>
           </a:xfrm>
           <a:prstGeom prst="rect">
             <a:avLst/>
@@ -3638,9 +3584,56 @@
           </a:bodyPr>
           <a:lstStyle/>
           <a:p>
-            <a:pPr algn="r"/>
-            <a:r>
-              <a:rPr lang="en-US" sz="3600" b="1" dirty="0">
+            <a:pPr algn="ctr"/>
+            <a:r>
+              <a:rPr lang="en-US" sz="4400" b="1" dirty="0" err="1">
+                <a:solidFill>
+                  <a:schemeClr val="bg1"/>
+                </a:solidFill>
+                <a:latin typeface="General Sans" pitchFamily="2" charset="77"/>
+              </a:rPr>
+              <a:t>UdaPeople</a:t>
+            </a:r>
+            <a:endParaRPr lang="en-US" sz="4400" b="1" dirty="0">
+              <a:solidFill>
+                <a:schemeClr val="bg1"/>
+              </a:solidFill>
+              <a:latin typeface="General Sans" pitchFamily="2" charset="77"/>
+            </a:endParaRPr>
+          </a:p>
+        </p:txBody>
+      </p:sp>
+      <p:sp>
+        <p:nvSpPr>
+          <p:cNvPr id="10" name="TextBox 9">
+            <a:extLst>
+              <a:ext uri="{FF2B5EF4-FFF2-40B4-BE49-F238E27FC236}">
+                <a16:creationId xmlns:a16="http://schemas.microsoft.com/office/drawing/2014/main" id="{7B390D23-70DC-A245-A764-199E8047D0B8}"/>
+              </a:ext>
+            </a:extLst>
+          </p:cNvPr>
+          <p:cNvSpPr txBox="1"/>
+          <p:nvPr/>
+        </p:nvSpPr>
+        <p:spPr>
+          <a:xfrm>
+            <a:off x="2829609" y="2780792"/>
+            <a:ext cx="6532782" cy="769441"/>
+          </a:xfrm>
+          <a:prstGeom prst="rect">
+            <a:avLst/>
+          </a:prstGeom>
+          <a:noFill/>
+        </p:spPr>
+        <p:txBody>
+          <a:bodyPr wrap="square" rtlCol="0">
+            <a:spAutoFit/>
+          </a:bodyPr>
+          <a:lstStyle/>
+          <a:p>
+            <a:pPr algn="ctr"/>
+            <a:r>
+              <a:rPr lang="en-US" sz="4400" dirty="0">
                 <a:solidFill>
                   <a:schemeClr val="bg1">
                     <a:lumMod val="85000"/>
@@ -3648,7 +3641,7 @@
                 </a:solidFill>
                 <a:latin typeface="General Sans" pitchFamily="2" charset="77"/>
               </a:rPr>
-              <a:t>Introduction to API</a:t>
+              <a:t>CI/CD: Why we need it</a:t>
             </a:r>
           </a:p>
         </p:txBody>
@@ -3713,9 +3706,6 @@
           <a:p>
             <a:r>
               <a:rPr lang="en-US" sz="2400" dirty="0">
-                <a:solidFill>
-                  <a:srgbClr val="0A7A9B"/>
-                </a:solidFill>
                 <a:latin typeface="General Sans" pitchFamily="2" charset="77"/>
               </a:rPr>
               <a:t>It is an abbreviation for</a:t>
@@ -3753,12 +3743,9 @@
           <a:p>
             <a:r>
               <a:rPr lang="en-US" sz="3600" b="1" dirty="0">
-                <a:solidFill>
-                  <a:srgbClr val="0A7A9B"/>
-                </a:solidFill>
                 <a:latin typeface="General Sans" pitchFamily="2" charset="77"/>
               </a:rPr>
-              <a:t>What is an API?</a:t>
+              <a:t>What is CI/CD?</a:t>
             </a:r>
           </a:p>
         </p:txBody>
@@ -3777,8 +3764,8 @@
         </p:nvSpPr>
         <p:spPr>
           <a:xfrm>
-            <a:off x="1078913" y="1796509"/>
-            <a:ext cx="1046869" cy="1200329"/>
+            <a:off x="737871" y="1925295"/>
+            <a:ext cx="1046869" cy="923330"/>
           </a:xfrm>
           <a:prstGeom prst="rect">
             <a:avLst/>
@@ -3792,13 +3779,10 @@
           <a:lstStyle/>
           <a:p>
             <a:r>
-              <a:rPr lang="en-US" sz="7200" b="1" dirty="0">
-                <a:solidFill>
-                  <a:srgbClr val="0A7A9B"/>
-                </a:solidFill>
+              <a:rPr lang="en-US" sz="5400" b="1" dirty="0">
                 <a:latin typeface="General Sans" pitchFamily="2" charset="77"/>
               </a:rPr>
-              <a:t>A</a:t>
+              <a:t>C</a:t>
             </a:r>
           </a:p>
         </p:txBody>
@@ -3817,7 +3801,7 @@
         </p:nvSpPr>
         <p:spPr>
           <a:xfrm>
-            <a:off x="1784740" y="2211534"/>
+            <a:off x="1316689" y="2112910"/>
             <a:ext cx="3770141" cy="584775"/>
           </a:xfrm>
           <a:prstGeom prst="rect">
@@ -3833,22 +3817,19 @@
           <a:p>
             <a:r>
               <a:rPr lang="en-US" sz="3200" dirty="0">
-                <a:solidFill>
-                  <a:srgbClr val="0A7A9B"/>
-                </a:solidFill>
                 <a:latin typeface="General Sans" pitchFamily="2" charset="77"/>
               </a:rPr>
-              <a:t>pplication</a:t>
-            </a:r>
-          </a:p>
-        </p:txBody>
-      </p:sp>
-      <p:sp>
-        <p:nvSpPr>
-          <p:cNvPr id="9" name="TextBox 8">
-            <a:extLst>
-              <a:ext uri="{FF2B5EF4-FFF2-40B4-BE49-F238E27FC236}">
-                <a16:creationId xmlns:a16="http://schemas.microsoft.com/office/drawing/2014/main" id="{3B794DC7-DDA8-2B48-B3BA-963299A32A56}"/>
+              <a:t>ontinous</a:t>
+            </a:r>
+          </a:p>
+        </p:txBody>
+      </p:sp>
+      <p:sp>
+        <p:nvSpPr>
+          <p:cNvPr id="13" name="TextBox 12">
+            <a:extLst>
+              <a:ext uri="{FF2B5EF4-FFF2-40B4-BE49-F238E27FC236}">
+                <a16:creationId xmlns:a16="http://schemas.microsoft.com/office/drawing/2014/main" id="{106E2F80-9BD6-9647-A5E7-D8F3B93A24CC}"/>
               </a:ext>
             </a:extLst>
           </p:cNvPr>
@@ -3857,8 +3838,8 @@
         </p:nvSpPr>
         <p:spPr>
           <a:xfrm>
-            <a:off x="1135284" y="2725686"/>
-            <a:ext cx="1046869" cy="1200329"/>
+            <a:off x="3166253" y="2386960"/>
+            <a:ext cx="8502286" cy="830997"/>
           </a:xfrm>
           <a:prstGeom prst="rect">
             <a:avLst/>
@@ -3871,24 +3852,28 @@
           </a:bodyPr>
           <a:lstStyle/>
           <a:p>
-            <a:r>
-              <a:rPr lang="en-US" sz="7200" b="1" dirty="0">
-                <a:solidFill>
-                  <a:srgbClr val="0A7A9B"/>
-                </a:solidFill>
+            <a:pPr marL="342900" indent="-342900">
+              <a:buFont typeface="Arial" panose="020B0604020202020204" pitchFamily="34" charset="0"/>
+              <a:buChar char="•"/>
+            </a:pPr>
+            <a:r>
+              <a:rPr lang="en-US" sz="2400" dirty="0">
                 <a:latin typeface="General Sans" pitchFamily="2" charset="77"/>
               </a:rPr>
-              <a:t>P</a:t>
-            </a:r>
-          </a:p>
-        </p:txBody>
-      </p:sp>
-      <p:sp>
-        <p:nvSpPr>
-          <p:cNvPr id="10" name="TextBox 9">
-            <a:extLst>
-              <a:ext uri="{FF2B5EF4-FFF2-40B4-BE49-F238E27FC236}">
-                <a16:creationId xmlns:a16="http://schemas.microsoft.com/office/drawing/2014/main" id="{E542261E-64E9-C54E-8D32-40C3EB2F109B}"/>
+              <a:t>CI refers to an approach of automating the integration of code changes from multiple contributors</a:t>
+            </a:r>
+            <a:endParaRPr lang="en-US" sz="3200" dirty="0">
+              <a:latin typeface="General Sans" pitchFamily="2" charset="77"/>
+            </a:endParaRPr>
+          </a:p>
+        </p:txBody>
+      </p:sp>
+      <p:sp>
+        <p:nvSpPr>
+          <p:cNvPr id="20" name="TextBox 19">
+            <a:extLst>
+              <a:ext uri="{FF2B5EF4-FFF2-40B4-BE49-F238E27FC236}">
+                <a16:creationId xmlns:a16="http://schemas.microsoft.com/office/drawing/2014/main" id="{F31CC73E-BBBD-9546-9957-9D7DCE6B0DE5}"/>
               </a:ext>
             </a:extLst>
           </p:cNvPr>
@@ -3897,8 +3882,8 @@
         </p:nvSpPr>
         <p:spPr>
           <a:xfrm>
-            <a:off x="1742635" y="3196983"/>
-            <a:ext cx="3770141" cy="584775"/>
+            <a:off x="777627" y="2718182"/>
+            <a:ext cx="1046869" cy="923330"/>
           </a:xfrm>
           <a:prstGeom prst="rect">
             <a:avLst/>
@@ -3912,29 +3897,20 @@
           <a:lstStyle/>
           <a:p>
             <a:r>
-              <a:rPr lang="en-US" sz="3200" dirty="0" err="1">
-                <a:solidFill>
-                  <a:srgbClr val="0A7A9B"/>
-                </a:solidFill>
+              <a:rPr lang="en-US" sz="5400" b="1" dirty="0">
                 <a:latin typeface="General Sans" pitchFamily="2" charset="77"/>
               </a:rPr>
-              <a:t>rogramming</a:t>
-            </a:r>
-            <a:endParaRPr lang="en-US" sz="3200" dirty="0">
-              <a:solidFill>
-                <a:srgbClr val="0A7A9B"/>
-              </a:solidFill>
-              <a:latin typeface="General Sans" pitchFamily="2" charset="77"/>
-            </a:endParaRPr>
-          </a:p>
-        </p:txBody>
-      </p:sp>
-      <p:sp>
-        <p:nvSpPr>
-          <p:cNvPr id="11" name="TextBox 10">
-            <a:extLst>
-              <a:ext uri="{FF2B5EF4-FFF2-40B4-BE49-F238E27FC236}">
-                <a16:creationId xmlns:a16="http://schemas.microsoft.com/office/drawing/2014/main" id="{A071BFB6-CD09-E044-B88E-004C5182C885}"/>
+              <a:t>I</a:t>
+            </a:r>
+          </a:p>
+        </p:txBody>
+      </p:sp>
+      <p:sp>
+        <p:nvSpPr>
+          <p:cNvPr id="21" name="TextBox 20">
+            <a:extLst>
+              <a:ext uri="{FF2B5EF4-FFF2-40B4-BE49-F238E27FC236}">
+                <a16:creationId xmlns:a16="http://schemas.microsoft.com/office/drawing/2014/main" id="{425556BE-633C-4D48-BA7E-1044E4586860}"/>
               </a:ext>
             </a:extLst>
           </p:cNvPr>
@@ -3943,8 +3919,8 @@
         </p:nvSpPr>
         <p:spPr>
           <a:xfrm>
-            <a:off x="1191655" y="3654863"/>
-            <a:ext cx="1046869" cy="1200329"/>
+            <a:off x="757749" y="3511069"/>
+            <a:ext cx="1046869" cy="923330"/>
           </a:xfrm>
           <a:prstGeom prst="rect">
             <a:avLst/>
@@ -3958,23 +3934,20 @@
           <a:lstStyle/>
           <a:p>
             <a:r>
-              <a:rPr lang="en-US" sz="7200" b="1" dirty="0">
-                <a:solidFill>
-                  <a:srgbClr val="0A7A9B"/>
-                </a:solidFill>
+              <a:rPr lang="en-US" sz="5400" b="1" dirty="0">
                 <a:latin typeface="General Sans" pitchFamily="2" charset="77"/>
               </a:rPr>
-              <a:t>I</a:t>
-            </a:r>
-          </a:p>
-        </p:txBody>
-      </p:sp>
-      <p:sp>
-        <p:nvSpPr>
-          <p:cNvPr id="12" name="TextBox 11">
-            <a:extLst>
-              <a:ext uri="{FF2B5EF4-FFF2-40B4-BE49-F238E27FC236}">
-                <a16:creationId xmlns:a16="http://schemas.microsoft.com/office/drawing/2014/main" id="{D46563EF-48BD-BC4C-B65E-AD765352FDFF}"/>
+              <a:t>C</a:t>
+            </a:r>
+          </a:p>
+        </p:txBody>
+      </p:sp>
+      <p:sp>
+        <p:nvSpPr>
+          <p:cNvPr id="22" name="TextBox 21">
+            <a:extLst>
+              <a:ext uri="{FF2B5EF4-FFF2-40B4-BE49-F238E27FC236}">
+                <a16:creationId xmlns:a16="http://schemas.microsoft.com/office/drawing/2014/main" id="{D06FFF89-2E13-2F4A-88C3-016D68EAFC2B}"/>
               </a:ext>
             </a:extLst>
           </p:cNvPr>
@@ -3983,8 +3956,8 @@
         </p:nvSpPr>
         <p:spPr>
           <a:xfrm>
-            <a:off x="1545788" y="4069888"/>
-            <a:ext cx="3770141" cy="584775"/>
+            <a:off x="757749" y="4303956"/>
+            <a:ext cx="1046869" cy="923330"/>
           </a:xfrm>
           <a:prstGeom prst="rect">
             <a:avLst/>
@@ -3998,23 +3971,20 @@
           <a:lstStyle/>
           <a:p>
             <a:r>
-              <a:rPr lang="en-US" sz="3200" dirty="0">
-                <a:solidFill>
-                  <a:srgbClr val="0A7A9B"/>
-                </a:solidFill>
+              <a:rPr lang="en-US" sz="5400" b="1" dirty="0">
                 <a:latin typeface="General Sans" pitchFamily="2" charset="77"/>
               </a:rPr>
-              <a:t>nterface</a:t>
-            </a:r>
-          </a:p>
-        </p:txBody>
-      </p:sp>
-      <p:sp>
-        <p:nvSpPr>
-          <p:cNvPr id="13" name="TextBox 12">
-            <a:extLst>
-              <a:ext uri="{FF2B5EF4-FFF2-40B4-BE49-F238E27FC236}">
-                <a16:creationId xmlns:a16="http://schemas.microsoft.com/office/drawing/2014/main" id="{106E2F80-9BD6-9647-A5E7-D8F3B93A24CC}"/>
+              <a:t>D</a:t>
+            </a:r>
+          </a:p>
+        </p:txBody>
+      </p:sp>
+      <p:sp>
+        <p:nvSpPr>
+          <p:cNvPr id="23" name="TextBox 22">
+            <a:extLst>
+              <a:ext uri="{FF2B5EF4-FFF2-40B4-BE49-F238E27FC236}">
+                <a16:creationId xmlns:a16="http://schemas.microsoft.com/office/drawing/2014/main" id="{C76C970D-2904-654C-9F7E-5B4C5AD01836}"/>
               </a:ext>
             </a:extLst>
           </p:cNvPr>
@@ -4023,8 +3993,8 @@
         </p:nvSpPr>
         <p:spPr>
           <a:xfrm>
-            <a:off x="318977" y="4826795"/>
-            <a:ext cx="11388957" cy="2431435"/>
+            <a:off x="1320939" y="3697591"/>
+            <a:ext cx="3770141" cy="584775"/>
           </a:xfrm>
           <a:prstGeom prst="rect">
             <a:avLst/>
@@ -4037,357 +4007,128 @@
           </a:bodyPr>
           <a:lstStyle/>
           <a:p>
+            <a:r>
+              <a:rPr lang="en-US" sz="3200" dirty="0">
+                <a:latin typeface="General Sans" pitchFamily="2" charset="77"/>
+              </a:rPr>
+              <a:t>ontinous</a:t>
+            </a:r>
+          </a:p>
+        </p:txBody>
+      </p:sp>
+      <p:sp>
+        <p:nvSpPr>
+          <p:cNvPr id="24" name="TextBox 23">
+            <a:extLst>
+              <a:ext uri="{FF2B5EF4-FFF2-40B4-BE49-F238E27FC236}">
+                <a16:creationId xmlns:a16="http://schemas.microsoft.com/office/drawing/2014/main" id="{B2B3609A-B977-9C46-9D41-4D2E3411A5FC}"/>
+              </a:ext>
+            </a:extLst>
+          </p:cNvPr>
+          <p:cNvSpPr txBox="1"/>
+          <p:nvPr/>
+        </p:nvSpPr>
+        <p:spPr>
+          <a:xfrm>
+            <a:off x="993028" y="2932854"/>
+            <a:ext cx="3770141" cy="584775"/>
+          </a:xfrm>
+          <a:prstGeom prst="rect">
+            <a:avLst/>
+          </a:prstGeom>
+          <a:noFill/>
+        </p:spPr>
+        <p:txBody>
+          <a:bodyPr wrap="square" rtlCol="0">
+            <a:spAutoFit/>
+          </a:bodyPr>
+          <a:lstStyle/>
+          <a:p>
+            <a:r>
+              <a:rPr lang="en-US" sz="3200" dirty="0">
+                <a:latin typeface="General Sans" pitchFamily="2" charset="77"/>
+              </a:rPr>
+              <a:t>ntegration</a:t>
+            </a:r>
+          </a:p>
+        </p:txBody>
+      </p:sp>
+      <p:sp>
+        <p:nvSpPr>
+          <p:cNvPr id="25" name="TextBox 24">
+            <a:extLst>
+              <a:ext uri="{FF2B5EF4-FFF2-40B4-BE49-F238E27FC236}">
+                <a16:creationId xmlns:a16="http://schemas.microsoft.com/office/drawing/2014/main" id="{707F2AAB-79B0-D446-9BA3-BAACABA7E38E}"/>
+              </a:ext>
+            </a:extLst>
+          </p:cNvPr>
+          <p:cNvSpPr txBox="1"/>
+          <p:nvPr/>
+        </p:nvSpPr>
+        <p:spPr>
+          <a:xfrm>
+            <a:off x="1281183" y="4494033"/>
+            <a:ext cx="3770141" cy="584775"/>
+          </a:xfrm>
+          <a:prstGeom prst="rect">
+            <a:avLst/>
+          </a:prstGeom>
+          <a:noFill/>
+        </p:spPr>
+        <p:txBody>
+          <a:bodyPr wrap="square" rtlCol="0">
+            <a:spAutoFit/>
+          </a:bodyPr>
+          <a:lstStyle/>
+          <a:p>
+            <a:r>
+              <a:rPr lang="en-US" sz="3200" dirty="0">
+                <a:latin typeface="General Sans" pitchFamily="2" charset="77"/>
+              </a:rPr>
+              <a:t>eployment</a:t>
+            </a:r>
+          </a:p>
+        </p:txBody>
+      </p:sp>
+      <p:sp>
+        <p:nvSpPr>
+          <p:cNvPr id="26" name="TextBox 25">
+            <a:extLst>
+              <a:ext uri="{FF2B5EF4-FFF2-40B4-BE49-F238E27FC236}">
+                <a16:creationId xmlns:a16="http://schemas.microsoft.com/office/drawing/2014/main" id="{EA84850E-FC88-BC4A-B1EE-6A692602F3F2}"/>
+              </a:ext>
+            </a:extLst>
+          </p:cNvPr>
+          <p:cNvSpPr txBox="1"/>
+          <p:nvPr/>
+        </p:nvSpPr>
+        <p:spPr>
+          <a:xfrm>
+            <a:off x="3201759" y="4018900"/>
+            <a:ext cx="8502286" cy="830997"/>
+          </a:xfrm>
+          <a:prstGeom prst="rect">
+            <a:avLst/>
+          </a:prstGeom>
+          <a:noFill/>
+        </p:spPr>
+        <p:txBody>
+          <a:bodyPr wrap="square" rtlCol="0">
+            <a:spAutoFit/>
+          </a:bodyPr>
+          <a:lstStyle/>
+          <a:p>
             <a:pPr marL="342900" indent="-342900">
               <a:buFont typeface="Arial" panose="020B0604020202020204" pitchFamily="34" charset="0"/>
               <a:buChar char="•"/>
             </a:pPr>
             <a:r>
               <a:rPr lang="en-US" sz="2400" dirty="0">
-                <a:solidFill>
-                  <a:srgbClr val="0A7A9B"/>
-                </a:solidFill>
                 <a:latin typeface="General Sans" pitchFamily="2" charset="77"/>
               </a:rPr>
-              <a:t>It is a collection of communication protocols and subroutines used by various programs to communicate between them</a:t>
-            </a:r>
-          </a:p>
-          <a:p>
-            <a:pPr marL="342900" indent="-342900">
-              <a:buFont typeface="Arial" panose="020B0604020202020204" pitchFamily="34" charset="0"/>
-              <a:buChar char="•"/>
-            </a:pPr>
-            <a:endParaRPr lang="en-US" sz="2400" dirty="0">
-              <a:solidFill>
-                <a:srgbClr val="0A7A9B"/>
-              </a:solidFill>
-              <a:latin typeface="General Sans" pitchFamily="2" charset="77"/>
-            </a:endParaRPr>
-          </a:p>
-          <a:p>
-            <a:pPr marL="342900" indent="-342900">
-              <a:buFont typeface="Arial" panose="020B0604020202020204" pitchFamily="34" charset="0"/>
-              <a:buChar char="•"/>
-            </a:pPr>
-            <a:r>
-              <a:rPr lang="en-US" sz="2400" dirty="0">
-                <a:solidFill>
-                  <a:srgbClr val="0A7A9B"/>
-                </a:solidFill>
-                <a:latin typeface="General Sans" pitchFamily="2" charset="77"/>
-              </a:rPr>
-              <a:t>It is simply an intermediary that allows two applications to talk to each other usually a client and a server.</a:t>
-            </a:r>
-          </a:p>
-          <a:p>
-            <a:pPr marL="457200" indent="-457200">
-              <a:buFont typeface="Arial" panose="020B0604020202020204" pitchFamily="34" charset="0"/>
-              <a:buChar char="•"/>
-            </a:pPr>
+              <a:t>CD refers to the automation of deployments in order to deliver value</a:t>
+            </a:r>
             <a:endParaRPr lang="en-US" sz="3200" dirty="0">
-              <a:solidFill>
-                <a:srgbClr val="0A7A9B"/>
-              </a:solidFill>
-              <a:latin typeface="General Sans" pitchFamily="2" charset="77"/>
-            </a:endParaRPr>
-          </a:p>
-        </p:txBody>
-      </p:sp>
-      <p:pic>
-        <p:nvPicPr>
-          <p:cNvPr id="1026" name="Picture 2" descr="What is an API? Full Form, Meaning, Definition, Types &amp; Example">
-            <a:extLst>
-              <a:ext uri="{FF2B5EF4-FFF2-40B4-BE49-F238E27FC236}">
-                <a16:creationId xmlns:a16="http://schemas.microsoft.com/office/drawing/2014/main" id="{53EC917C-6D67-4C47-BE5D-0C0E1FB5EAB6}"/>
-              </a:ext>
-            </a:extLst>
-          </p:cNvPr>
-          <p:cNvPicPr>
-            <a:picLocks noChangeAspect="1" noChangeArrowheads="1"/>
-          </p:cNvPicPr>
-          <p:nvPr/>
-        </p:nvPicPr>
-        <p:blipFill>
-          <a:blip r:embed="rId2">
-            <a:extLst>
-              <a:ext uri="{28A0092B-C50C-407E-A947-70E740481C1C}">
-                <a14:useLocalDpi xmlns:a14="http://schemas.microsoft.com/office/drawing/2010/main" val="0"/>
-              </a:ext>
-            </a:extLst>
-          </a:blip>
-          <a:srcRect/>
-          <a:stretch>
-            <a:fillRect/>
-          </a:stretch>
-        </p:blipFill>
-        <p:spPr bwMode="auto">
-          <a:xfrm>
-            <a:off x="4543866" y="1116466"/>
-            <a:ext cx="7164068" cy="3605756"/>
-          </a:xfrm>
-          <a:prstGeom prst="rect">
-            <a:avLst/>
-          </a:prstGeom>
-          <a:noFill/>
-          <a:extLst>
-            <a:ext uri="{909E8E84-426E-40DD-AFC4-6F175D3DCCD1}">
-              <a14:hiddenFill xmlns:a14="http://schemas.microsoft.com/office/drawing/2010/main">
-                <a:solidFill>
-                  <a:srgbClr val="FFFFFF"/>
-                </a:solidFill>
-              </a14:hiddenFill>
-            </a:ext>
-          </a:extLst>
-        </p:spPr>
-      </p:pic>
-      <p:sp>
-        <p:nvSpPr>
-          <p:cNvPr id="14" name="Rectangle 13">
-            <a:extLst>
-              <a:ext uri="{FF2B5EF4-FFF2-40B4-BE49-F238E27FC236}">
-                <a16:creationId xmlns:a16="http://schemas.microsoft.com/office/drawing/2014/main" id="{CD085CA1-223C-7443-8E99-122B0A8F86A8}"/>
-              </a:ext>
-            </a:extLst>
-          </p:cNvPr>
-          <p:cNvSpPr/>
-          <p:nvPr/>
-        </p:nvSpPr>
-        <p:spPr>
-          <a:xfrm>
-            <a:off x="5981602" y="939686"/>
-            <a:ext cx="2715831" cy="629855"/>
-          </a:xfrm>
-          <a:prstGeom prst="rect">
-            <a:avLst/>
-          </a:prstGeom>
-          <a:solidFill>
-            <a:schemeClr val="bg1"/>
-          </a:solidFill>
-          <a:ln>
-            <a:noFill/>
-          </a:ln>
-        </p:spPr>
-        <p:style>
-          <a:lnRef idx="2">
-            <a:schemeClr val="accent1">
-              <a:shade val="50000"/>
-            </a:schemeClr>
-          </a:lnRef>
-          <a:fillRef idx="1">
-            <a:schemeClr val="accent1"/>
-          </a:fillRef>
-          <a:effectRef idx="0">
-            <a:schemeClr val="accent1"/>
-          </a:effectRef>
-          <a:fontRef idx="minor">
-            <a:schemeClr val="lt1"/>
-          </a:fontRef>
-        </p:style>
-        <p:txBody>
-          <a:bodyPr rtlCol="0" anchor="ctr"/>
-          <a:lstStyle/>
-          <a:p>
-            <a:pPr algn="ctr"/>
-            <a:endParaRPr lang="en-US"/>
-          </a:p>
-        </p:txBody>
-      </p:sp>
-      <p:sp>
-        <p:nvSpPr>
-          <p:cNvPr id="15" name="Rectangle 14">
-            <a:extLst>
-              <a:ext uri="{FF2B5EF4-FFF2-40B4-BE49-F238E27FC236}">
-                <a16:creationId xmlns:a16="http://schemas.microsoft.com/office/drawing/2014/main" id="{5A0D2D57-EC41-3047-8F7F-C1CB5270A7F8}"/>
-              </a:ext>
-            </a:extLst>
-          </p:cNvPr>
-          <p:cNvSpPr/>
-          <p:nvPr/>
-        </p:nvSpPr>
-        <p:spPr>
-          <a:xfrm>
-            <a:off x="4254207" y="939686"/>
-            <a:ext cx="2189123" cy="3714977"/>
-          </a:xfrm>
-          <a:prstGeom prst="rect">
-            <a:avLst/>
-          </a:prstGeom>
-          <a:solidFill>
-            <a:srgbClr val="0432FF">
-              <a:alpha val="32157"/>
-            </a:srgbClr>
-          </a:solidFill>
-          <a:ln>
-            <a:noFill/>
-          </a:ln>
-        </p:spPr>
-        <p:style>
-          <a:lnRef idx="2">
-            <a:schemeClr val="accent1">
-              <a:shade val="50000"/>
-            </a:schemeClr>
-          </a:lnRef>
-          <a:fillRef idx="1">
-            <a:schemeClr val="accent1"/>
-          </a:fillRef>
-          <a:effectRef idx="0">
-            <a:schemeClr val="accent1"/>
-          </a:effectRef>
-          <a:fontRef idx="minor">
-            <a:schemeClr val="lt1"/>
-          </a:fontRef>
-        </p:style>
-        <p:txBody>
-          <a:bodyPr rtlCol="0" anchor="ctr"/>
-          <a:lstStyle/>
-          <a:p>
-            <a:pPr algn="ctr"/>
-            <a:endParaRPr lang="en-US"/>
-          </a:p>
-        </p:txBody>
-      </p:sp>
-      <p:sp>
-        <p:nvSpPr>
-          <p:cNvPr id="17" name="Rectangle 16">
-            <a:extLst>
-              <a:ext uri="{FF2B5EF4-FFF2-40B4-BE49-F238E27FC236}">
-                <a16:creationId xmlns:a16="http://schemas.microsoft.com/office/drawing/2014/main" id="{DD981F1A-3A26-7149-ADCA-CE6E7EFBF20A}"/>
-              </a:ext>
-            </a:extLst>
-          </p:cNvPr>
-          <p:cNvSpPr/>
-          <p:nvPr/>
-        </p:nvSpPr>
-        <p:spPr>
-          <a:xfrm>
-            <a:off x="8923964" y="1007245"/>
-            <a:ext cx="3073629" cy="3819550"/>
-          </a:xfrm>
-          <a:prstGeom prst="rect">
-            <a:avLst/>
-          </a:prstGeom>
-          <a:solidFill>
-            <a:schemeClr val="accent4">
-              <a:alpha val="32157"/>
-            </a:schemeClr>
-          </a:solidFill>
-          <a:ln>
-            <a:noFill/>
-          </a:ln>
-        </p:spPr>
-        <p:style>
-          <a:lnRef idx="2">
-            <a:schemeClr val="accent1">
-              <a:shade val="50000"/>
-            </a:schemeClr>
-          </a:lnRef>
-          <a:fillRef idx="1">
-            <a:schemeClr val="accent1"/>
-          </a:fillRef>
-          <a:effectRef idx="0">
-            <a:schemeClr val="accent1"/>
-          </a:effectRef>
-          <a:fontRef idx="minor">
-            <a:schemeClr val="lt1"/>
-          </a:fontRef>
-        </p:style>
-        <p:txBody>
-          <a:bodyPr rtlCol="0" anchor="ctr"/>
-          <a:lstStyle/>
-          <a:p>
-            <a:pPr algn="ctr"/>
-            <a:endParaRPr lang="en-US"/>
-          </a:p>
-        </p:txBody>
-      </p:sp>
-      <p:sp>
-        <p:nvSpPr>
-          <p:cNvPr id="18" name="TextBox 17">
-            <a:extLst>
-              <a:ext uri="{FF2B5EF4-FFF2-40B4-BE49-F238E27FC236}">
-                <a16:creationId xmlns:a16="http://schemas.microsoft.com/office/drawing/2014/main" id="{1B3A8837-963C-9D48-B6DC-7B0A5362902D}"/>
-              </a:ext>
-            </a:extLst>
-          </p:cNvPr>
-          <p:cNvSpPr txBox="1"/>
-          <p:nvPr/>
-        </p:nvSpPr>
-        <p:spPr>
-          <a:xfrm>
-            <a:off x="4452231" y="1023780"/>
-            <a:ext cx="1727395" cy="461666"/>
-          </a:xfrm>
-          <a:prstGeom prst="rect">
-            <a:avLst/>
-          </a:prstGeom>
-          <a:noFill/>
-        </p:spPr>
-        <p:txBody>
-          <a:bodyPr wrap="square" rtlCol="0">
-            <a:spAutoFit/>
-          </a:bodyPr>
-          <a:lstStyle/>
-          <a:p>
-            <a:pPr algn="ctr"/>
-            <a:r>
-              <a:rPr lang="en-US" sz="2400" b="1" dirty="0">
-                <a:solidFill>
-                  <a:srgbClr val="0A7A9B"/>
-                </a:solidFill>
-                <a:latin typeface="General Sans" pitchFamily="2" charset="77"/>
-              </a:rPr>
-              <a:t>Server</a:t>
-            </a:r>
-            <a:endParaRPr lang="en-US" sz="3200" b="1" dirty="0">
-              <a:solidFill>
-                <a:srgbClr val="0A7A9B"/>
-              </a:solidFill>
-              <a:latin typeface="General Sans" pitchFamily="2" charset="77"/>
-            </a:endParaRPr>
-          </a:p>
-        </p:txBody>
-      </p:sp>
-      <p:sp>
-        <p:nvSpPr>
-          <p:cNvPr id="19" name="TextBox 18">
-            <a:extLst>
-              <a:ext uri="{FF2B5EF4-FFF2-40B4-BE49-F238E27FC236}">
-                <a16:creationId xmlns:a16="http://schemas.microsoft.com/office/drawing/2014/main" id="{8E117347-4467-DD48-99C5-E642ADA6CB2C}"/>
-              </a:ext>
-            </a:extLst>
-          </p:cNvPr>
-          <p:cNvSpPr txBox="1"/>
-          <p:nvPr/>
-        </p:nvSpPr>
-        <p:spPr>
-          <a:xfrm>
-            <a:off x="8923964" y="1107875"/>
-            <a:ext cx="1727395" cy="461666"/>
-          </a:xfrm>
-          <a:prstGeom prst="rect">
-            <a:avLst/>
-          </a:prstGeom>
-          <a:noFill/>
-        </p:spPr>
-        <p:txBody>
-          <a:bodyPr wrap="square" rtlCol="0">
-            <a:spAutoFit/>
-          </a:bodyPr>
-          <a:lstStyle/>
-          <a:p>
-            <a:pPr algn="ctr"/>
-            <a:r>
-              <a:rPr lang="en-US" sz="2400" b="1" dirty="0">
-                <a:solidFill>
-                  <a:srgbClr val="0A7A9B"/>
-                </a:solidFill>
-                <a:latin typeface="General Sans" pitchFamily="2" charset="77"/>
-              </a:rPr>
-              <a:t>Clients</a:t>
-            </a:r>
-            <a:endParaRPr lang="en-US" sz="3200" b="1" dirty="0">
-              <a:solidFill>
-                <a:srgbClr val="0A7A9B"/>
-              </a:solidFill>
               <a:latin typeface="General Sans" pitchFamily="2" charset="77"/>
             </a:endParaRPr>
           </a:p>
@@ -4425,10 +4166,10 @@
       </p:grpSpPr>
       <p:sp>
         <p:nvSpPr>
-          <p:cNvPr id="5" name="TextBox 4">
-            <a:extLst>
-              <a:ext uri="{FF2B5EF4-FFF2-40B4-BE49-F238E27FC236}">
-                <a16:creationId xmlns:a16="http://schemas.microsoft.com/office/drawing/2014/main" id="{7584B7C9-2097-A341-BD28-FF6E20637C05}"/>
+          <p:cNvPr id="4" name="TextBox 3">
+            <a:extLst>
+              <a:ext uri="{FF2B5EF4-FFF2-40B4-BE49-F238E27FC236}">
+                <a16:creationId xmlns:a16="http://schemas.microsoft.com/office/drawing/2014/main" id="{50EAEECE-3B74-C549-AFD5-ECA1D1ED05E3}"/>
               </a:ext>
             </a:extLst>
           </p:cNvPr>
@@ -4437,8 +4178,8 @@
         </p:nvSpPr>
         <p:spPr>
           <a:xfrm>
-            <a:off x="354419" y="1417514"/>
-            <a:ext cx="11483162" cy="4401205"/>
+            <a:off x="346154" y="616520"/>
+            <a:ext cx="5895620" cy="646331"/>
           </a:xfrm>
           <a:prstGeom prst="rect">
             <a:avLst/>
@@ -4451,115 +4192,245 @@
           </a:bodyPr>
           <a:lstStyle/>
           <a:p>
-            <a:pPr fontAlgn="base"/>
-            <a:r>
-              <a:rPr lang="en-US" sz="2800" dirty="0">
-                <a:solidFill>
-                  <a:srgbClr val="0A7A9B"/>
-                </a:solidFill>
+            <a:r>
+              <a:rPr lang="en-US" sz="3600" b="1" dirty="0">
                 <a:latin typeface="General Sans" pitchFamily="2" charset="77"/>
               </a:rPr>
-              <a:t>The key terms we learned were:</a:t>
-            </a:r>
-          </a:p>
-          <a:p>
-            <a:pPr fontAlgn="base"/>
-            <a:endParaRPr lang="en-US" sz="2800" dirty="0">
-              <a:solidFill>
-                <a:srgbClr val="0A7A9B"/>
-              </a:solidFill>
-              <a:latin typeface="General Sans" pitchFamily="2" charset="77"/>
-            </a:endParaRPr>
-          </a:p>
-          <a:p>
-            <a:pPr fontAlgn="base"/>
-            <a:r>
-              <a:rPr lang="en-US" sz="2800" b="1" dirty="0">
-                <a:solidFill>
-                  <a:srgbClr val="0A7A9B"/>
-                </a:solidFill>
-                <a:latin typeface="General Sans" pitchFamily="2" charset="77"/>
-              </a:rPr>
-              <a:t>Server:</a:t>
-            </a:r>
-            <a:r>
-              <a:rPr lang="en-US" sz="2800" dirty="0">
-                <a:solidFill>
-                  <a:srgbClr val="0A7A9B"/>
-                </a:solidFill>
-                <a:latin typeface="General Sans" pitchFamily="2" charset="77"/>
-              </a:rPr>
-              <a:t> A computer that runs a software logic and houses the Database</a:t>
-            </a:r>
-          </a:p>
-          <a:p>
-            <a:pPr fontAlgn="base"/>
-            <a:endParaRPr lang="en-US" sz="2800" dirty="0">
-              <a:solidFill>
-                <a:srgbClr val="0A7A9B"/>
-              </a:solidFill>
-              <a:latin typeface="General Sans" pitchFamily="2" charset="77"/>
-            </a:endParaRPr>
-          </a:p>
-          <a:p>
-            <a:pPr fontAlgn="base"/>
-            <a:r>
-              <a:rPr lang="en-US" sz="2800" b="1" dirty="0">
-                <a:solidFill>
-                  <a:srgbClr val="0A7A9B"/>
-                </a:solidFill>
-                <a:latin typeface="General Sans" pitchFamily="2" charset="77"/>
-              </a:rPr>
-              <a:t>API:</a:t>
-            </a:r>
-            <a:r>
-              <a:rPr lang="en-US" sz="2800" dirty="0">
-                <a:solidFill>
-                  <a:srgbClr val="0A7A9B"/>
-                </a:solidFill>
-                <a:latin typeface="General Sans" pitchFamily="2" charset="77"/>
-              </a:rPr>
-              <a:t> The middleman and communicator between the Client and Server</a:t>
-            </a:r>
-          </a:p>
-          <a:p>
-            <a:pPr fontAlgn="base"/>
-            <a:endParaRPr lang="en-US" sz="2800" dirty="0">
-              <a:solidFill>
-                <a:srgbClr val="0A7A9B"/>
-              </a:solidFill>
-              <a:latin typeface="General Sans" pitchFamily="2" charset="77"/>
-            </a:endParaRPr>
-          </a:p>
-          <a:p>
-            <a:pPr fontAlgn="base"/>
-            <a:r>
-              <a:rPr lang="en-US" sz="2800" b="1" dirty="0">
-                <a:solidFill>
-                  <a:srgbClr val="0A7A9B"/>
-                </a:solidFill>
-                <a:latin typeface="General Sans" pitchFamily="2" charset="77"/>
-              </a:rPr>
-              <a:t>Client:</a:t>
-            </a:r>
-            <a:r>
-              <a:rPr lang="en-US" sz="2800" dirty="0">
-                <a:solidFill>
-                  <a:srgbClr val="0A7A9B"/>
-                </a:solidFill>
-                <a:latin typeface="General Sans" pitchFamily="2" charset="77"/>
-              </a:rPr>
-              <a:t> A computer, laptop, phone that exchanges data with a server through an API</a:t>
-            </a:r>
-          </a:p>
-        </p:txBody>
-      </p:sp>
-      <p:sp>
-        <p:nvSpPr>
-          <p:cNvPr id="6" name="TextBox 5">
-            <a:extLst>
-              <a:ext uri="{FF2B5EF4-FFF2-40B4-BE49-F238E27FC236}">
-                <a16:creationId xmlns:a16="http://schemas.microsoft.com/office/drawing/2014/main" id="{D40AA3D8-5D13-CD48-96CD-C4F3EA8B7890}"/>
+              <a:t>What is CI/CD? (Cont’d)</a:t>
+            </a:r>
+          </a:p>
+        </p:txBody>
+      </p:sp>
+      <p:pic>
+        <p:nvPicPr>
+          <p:cNvPr id="3" name="Picture 2">
+            <a:extLst>
+              <a:ext uri="{FF2B5EF4-FFF2-40B4-BE49-F238E27FC236}">
+                <a16:creationId xmlns:a16="http://schemas.microsoft.com/office/drawing/2014/main" id="{26E358F7-76B4-3944-83E8-1C3689531C9C}"/>
+              </a:ext>
+            </a:extLst>
+          </p:cNvPr>
+          <p:cNvPicPr>
+            <a:picLocks noChangeAspect="1"/>
+          </p:cNvPicPr>
+          <p:nvPr/>
+        </p:nvPicPr>
+        <p:blipFill>
+          <a:blip r:embed="rId2"/>
+          <a:stretch>
+            <a:fillRect/>
+          </a:stretch>
+        </p:blipFill>
+        <p:spPr>
+          <a:xfrm>
+            <a:off x="400878" y="1689100"/>
+            <a:ext cx="10914822" cy="3638274"/>
+          </a:xfrm>
+          <a:prstGeom prst="rect">
+            <a:avLst/>
+          </a:prstGeom>
+        </p:spPr>
+      </p:pic>
+      <p:sp>
+        <p:nvSpPr>
+          <p:cNvPr id="7" name="Rectangle 6">
+            <a:extLst>
+              <a:ext uri="{FF2B5EF4-FFF2-40B4-BE49-F238E27FC236}">
+                <a16:creationId xmlns:a16="http://schemas.microsoft.com/office/drawing/2014/main" id="{38123383-713D-6A40-9DA8-663FF2207E23}"/>
+              </a:ext>
+            </a:extLst>
+          </p:cNvPr>
+          <p:cNvSpPr/>
+          <p:nvPr/>
+        </p:nvSpPr>
+        <p:spPr>
+          <a:xfrm>
+            <a:off x="2266122" y="2266121"/>
+            <a:ext cx="3399182" cy="815009"/>
+          </a:xfrm>
+          <a:prstGeom prst="rect">
+            <a:avLst/>
+          </a:prstGeom>
+          <a:solidFill>
+            <a:srgbClr val="0A7A9B">
+              <a:alpha val="29020"/>
+            </a:srgbClr>
+          </a:solidFill>
+          <a:ln>
+            <a:noFill/>
+          </a:ln>
+        </p:spPr>
+        <p:style>
+          <a:lnRef idx="2">
+            <a:schemeClr val="accent1">
+              <a:shade val="50000"/>
+            </a:schemeClr>
+          </a:lnRef>
+          <a:fillRef idx="1">
+            <a:schemeClr val="accent1"/>
+          </a:fillRef>
+          <a:effectRef idx="0">
+            <a:schemeClr val="accent1"/>
+          </a:effectRef>
+          <a:fontRef idx="minor">
+            <a:schemeClr val="lt1"/>
+          </a:fontRef>
+        </p:style>
+        <p:txBody>
+          <a:bodyPr rtlCol="0" anchor="ctr"/>
+          <a:lstStyle/>
+          <a:p>
+            <a:pPr algn="ctr"/>
+            <a:endParaRPr lang="en-US" dirty="0"/>
+          </a:p>
+        </p:txBody>
+      </p:sp>
+      <p:sp>
+        <p:nvSpPr>
+          <p:cNvPr id="8" name="Rectangle 7">
+            <a:extLst>
+              <a:ext uri="{FF2B5EF4-FFF2-40B4-BE49-F238E27FC236}">
+                <a16:creationId xmlns:a16="http://schemas.microsoft.com/office/drawing/2014/main" id="{2FF672FA-6933-854C-88DA-942C0B1AA13C}"/>
+              </a:ext>
+            </a:extLst>
+          </p:cNvPr>
+          <p:cNvSpPr/>
+          <p:nvPr/>
+        </p:nvSpPr>
+        <p:spPr>
+          <a:xfrm>
+            <a:off x="5665304" y="2266120"/>
+            <a:ext cx="3399182" cy="815009"/>
+          </a:xfrm>
+          <a:prstGeom prst="rect">
+            <a:avLst/>
+          </a:prstGeom>
+          <a:solidFill>
+            <a:schemeClr val="accent4">
+              <a:lumMod val="60000"/>
+              <a:lumOff val="40000"/>
+              <a:alpha val="29020"/>
+            </a:schemeClr>
+          </a:solidFill>
+          <a:ln>
+            <a:noFill/>
+          </a:ln>
+        </p:spPr>
+        <p:style>
+          <a:lnRef idx="2">
+            <a:schemeClr val="accent1">
+              <a:shade val="50000"/>
+            </a:schemeClr>
+          </a:lnRef>
+          <a:fillRef idx="1">
+            <a:schemeClr val="accent1"/>
+          </a:fillRef>
+          <a:effectRef idx="0">
+            <a:schemeClr val="accent1"/>
+          </a:effectRef>
+          <a:fontRef idx="minor">
+            <a:schemeClr val="lt1"/>
+          </a:fontRef>
+        </p:style>
+        <p:txBody>
+          <a:bodyPr rtlCol="0" anchor="ctr"/>
+          <a:lstStyle/>
+          <a:p>
+            <a:pPr algn="ctr"/>
+            <a:endParaRPr lang="en-US" dirty="0"/>
+          </a:p>
+        </p:txBody>
+      </p:sp>
+      <p:cxnSp>
+        <p:nvCxnSpPr>
+          <p:cNvPr id="10" name="Straight Arrow Connector 9">
+            <a:extLst>
+              <a:ext uri="{FF2B5EF4-FFF2-40B4-BE49-F238E27FC236}">
+                <a16:creationId xmlns:a16="http://schemas.microsoft.com/office/drawing/2014/main" id="{1CF63312-F9FE-8D4B-AD25-08228C81B568}"/>
+              </a:ext>
+            </a:extLst>
+          </p:cNvPr>
+          <p:cNvCxnSpPr/>
+          <p:nvPr/>
+        </p:nvCxnSpPr>
+        <p:spPr>
+          <a:xfrm>
+            <a:off x="2528888" y="3081129"/>
+            <a:ext cx="0" cy="2019509"/>
+          </a:xfrm>
+          <a:prstGeom prst="straightConnector1">
+            <a:avLst/>
+          </a:prstGeom>
+          <a:ln w="38100">
+            <a:solidFill>
+              <a:schemeClr val="tx1"/>
+            </a:solidFill>
+            <a:tailEnd type="triangle"/>
+          </a:ln>
+        </p:spPr>
+        <p:style>
+          <a:lnRef idx="1">
+            <a:schemeClr val="accent1"/>
+          </a:lnRef>
+          <a:fillRef idx="0">
+            <a:schemeClr val="accent1"/>
+          </a:fillRef>
+          <a:effectRef idx="0">
+            <a:schemeClr val="accent1"/>
+          </a:effectRef>
+          <a:fontRef idx="minor">
+            <a:schemeClr val="tx1"/>
+          </a:fontRef>
+        </p:style>
+      </p:cxnSp>
+      <p:cxnSp>
+        <p:nvCxnSpPr>
+          <p:cNvPr id="11" name="Straight Arrow Connector 10">
+            <a:extLst>
+              <a:ext uri="{FF2B5EF4-FFF2-40B4-BE49-F238E27FC236}">
+                <a16:creationId xmlns:a16="http://schemas.microsoft.com/office/drawing/2014/main" id="{24F43480-5556-A64F-85F4-ADE47DBF84FA}"/>
+              </a:ext>
+            </a:extLst>
+          </p:cNvPr>
+          <p:cNvCxnSpPr/>
+          <p:nvPr/>
+        </p:nvCxnSpPr>
+        <p:spPr>
+          <a:xfrm>
+            <a:off x="6203674" y="3081128"/>
+            <a:ext cx="0" cy="2019509"/>
+          </a:xfrm>
+          <a:prstGeom prst="straightConnector1">
+            <a:avLst/>
+          </a:prstGeom>
+          <a:ln w="38100">
+            <a:solidFill>
+              <a:schemeClr val="tx1"/>
+            </a:solidFill>
+            <a:tailEnd type="triangle"/>
+          </a:ln>
+        </p:spPr>
+        <p:style>
+          <a:lnRef idx="1">
+            <a:schemeClr val="accent1"/>
+          </a:lnRef>
+          <a:fillRef idx="0">
+            <a:schemeClr val="accent1"/>
+          </a:fillRef>
+          <a:effectRef idx="0">
+            <a:schemeClr val="accent1"/>
+          </a:effectRef>
+          <a:fontRef idx="minor">
+            <a:schemeClr val="tx1"/>
+          </a:fontRef>
+        </p:style>
+      </p:cxnSp>
+      <p:sp>
+        <p:nvSpPr>
+          <p:cNvPr id="12" name="TextBox 11">
+            <a:extLst>
+              <a:ext uri="{FF2B5EF4-FFF2-40B4-BE49-F238E27FC236}">
+                <a16:creationId xmlns:a16="http://schemas.microsoft.com/office/drawing/2014/main" id="{B9334827-D028-CF41-BF32-8DE192E076EB}"/>
               </a:ext>
             </a:extLst>
           </p:cNvPr>
@@ -4568,8 +4439,8 @@
         </p:nvSpPr>
         <p:spPr>
           <a:xfrm>
-            <a:off x="571402" y="420072"/>
-            <a:ext cx="5160236" cy="646331"/>
+            <a:off x="876300" y="5124030"/>
+            <a:ext cx="3288458" cy="830997"/>
           </a:xfrm>
           <a:prstGeom prst="rect">
             <a:avLst/>
@@ -4582,14 +4453,164 @@
           </a:bodyPr>
           <a:lstStyle/>
           <a:p>
-            <a:r>
-              <a:rPr lang="en-US" sz="3600" b="1" dirty="0">
-                <a:solidFill>
-                  <a:srgbClr val="0A7A9B"/>
-                </a:solidFill>
+            <a:pPr algn="ctr"/>
+            <a:r>
+              <a:rPr lang="en-US" sz="2400" dirty="0">
                 <a:latin typeface="General Sans" pitchFamily="2" charset="77"/>
               </a:rPr>
-              <a:t>Summary</a:t>
+              <a:t>Continuous Integration</a:t>
+            </a:r>
+          </a:p>
+        </p:txBody>
+      </p:sp>
+      <p:sp>
+        <p:nvSpPr>
+          <p:cNvPr id="13" name="TextBox 12">
+            <a:extLst>
+              <a:ext uri="{FF2B5EF4-FFF2-40B4-BE49-F238E27FC236}">
+                <a16:creationId xmlns:a16="http://schemas.microsoft.com/office/drawing/2014/main" id="{268130AC-5F42-AB4F-9BD6-46F108B6660F}"/>
+              </a:ext>
+            </a:extLst>
+          </p:cNvPr>
+          <p:cNvSpPr txBox="1"/>
+          <p:nvPr/>
+        </p:nvSpPr>
+        <p:spPr>
+          <a:xfrm>
+            <a:off x="5151161" y="5143633"/>
+            <a:ext cx="2478362" cy="830997"/>
+          </a:xfrm>
+          <a:prstGeom prst="rect">
+            <a:avLst/>
+          </a:prstGeom>
+          <a:noFill/>
+        </p:spPr>
+        <p:txBody>
+          <a:bodyPr wrap="square" rtlCol="0">
+            <a:spAutoFit/>
+          </a:bodyPr>
+          <a:lstStyle/>
+          <a:p>
+            <a:pPr algn="ctr"/>
+            <a:r>
+              <a:rPr lang="en-US" sz="2400" dirty="0">
+                <a:latin typeface="General Sans" pitchFamily="2" charset="77"/>
+              </a:rPr>
+              <a:t>Continuous Deployment</a:t>
+            </a:r>
+          </a:p>
+        </p:txBody>
+      </p:sp>
+      <p:sp>
+        <p:nvSpPr>
+          <p:cNvPr id="14" name="TextBox 13">
+            <a:extLst>
+              <a:ext uri="{FF2B5EF4-FFF2-40B4-BE49-F238E27FC236}">
+                <a16:creationId xmlns:a16="http://schemas.microsoft.com/office/drawing/2014/main" id="{ECEFF6E3-F59C-7C4F-A85F-A0E26F4DB164}"/>
+              </a:ext>
+            </a:extLst>
+          </p:cNvPr>
+          <p:cNvSpPr txBox="1"/>
+          <p:nvPr/>
+        </p:nvSpPr>
+        <p:spPr>
+          <a:xfrm>
+            <a:off x="8898213" y="5090632"/>
+            <a:ext cx="2574644" cy="830997"/>
+          </a:xfrm>
+          <a:prstGeom prst="rect">
+            <a:avLst/>
+          </a:prstGeom>
+          <a:noFill/>
+        </p:spPr>
+        <p:txBody>
+          <a:bodyPr wrap="square" rtlCol="0">
+            <a:spAutoFit/>
+          </a:bodyPr>
+          <a:lstStyle/>
+          <a:p>
+            <a:pPr algn="ctr"/>
+            <a:r>
+              <a:rPr lang="en-US" sz="2400" dirty="0">
+                <a:latin typeface="General Sans" pitchFamily="2" charset="77"/>
+              </a:rPr>
+              <a:t>Continuous Delivery</a:t>
+            </a:r>
+          </a:p>
+        </p:txBody>
+      </p:sp>
+      <p:sp>
+        <p:nvSpPr>
+          <p:cNvPr id="15" name="TextBox 14">
+            <a:extLst>
+              <a:ext uri="{FF2B5EF4-FFF2-40B4-BE49-F238E27FC236}">
+                <a16:creationId xmlns:a16="http://schemas.microsoft.com/office/drawing/2014/main" id="{A7744DDA-3156-FF46-9CE4-94E092476445}"/>
+              </a:ext>
+            </a:extLst>
+          </p:cNvPr>
+          <p:cNvSpPr txBox="1"/>
+          <p:nvPr/>
+        </p:nvSpPr>
+        <p:spPr>
+          <a:xfrm>
+            <a:off x="3662521" y="5275297"/>
+            <a:ext cx="1161631" cy="461665"/>
+          </a:xfrm>
+          <a:prstGeom prst="rect">
+            <a:avLst/>
+          </a:prstGeom>
+          <a:noFill/>
+        </p:spPr>
+        <p:txBody>
+          <a:bodyPr wrap="square" rtlCol="0">
+            <a:spAutoFit/>
+          </a:bodyPr>
+          <a:lstStyle/>
+          <a:p>
+            <a:pPr algn="ctr"/>
+            <a:r>
+              <a:rPr lang="en-US" sz="2400" b="1" dirty="0">
+                <a:latin typeface="General Sans" pitchFamily="2" charset="77"/>
+              </a:rPr>
+              <a:t>+</a:t>
+            </a:r>
+          </a:p>
+        </p:txBody>
+      </p:sp>
+      <p:sp>
+        <p:nvSpPr>
+          <p:cNvPr id="16" name="TextBox 15">
+            <a:extLst>
+              <a:ext uri="{FF2B5EF4-FFF2-40B4-BE49-F238E27FC236}">
+                <a16:creationId xmlns:a16="http://schemas.microsoft.com/office/drawing/2014/main" id="{AE6AB824-6C3F-1944-A218-5629AAD20DF6}"/>
+              </a:ext>
+            </a:extLst>
+          </p:cNvPr>
+          <p:cNvSpPr txBox="1"/>
+          <p:nvPr/>
+        </p:nvSpPr>
+        <p:spPr>
+          <a:xfrm>
+            <a:off x="7736582" y="5275296"/>
+            <a:ext cx="1161631" cy="461665"/>
+          </a:xfrm>
+          <a:prstGeom prst="rect">
+            <a:avLst/>
+          </a:prstGeom>
+          <a:noFill/>
+        </p:spPr>
+        <p:txBody>
+          <a:bodyPr wrap="square" rtlCol="0">
+            <a:spAutoFit/>
+          </a:bodyPr>
+          <a:lstStyle/>
+          <a:p>
+            <a:pPr algn="ctr"/>
+            <a:r>
+              <a:rPr lang="en-US" sz="2400" b="1" dirty="0">
+                <a:latin typeface="General Sans" pitchFamily="2" charset="77"/>
+              </a:rPr>
+              <a:t>=</a:t>
             </a:r>
           </a:p>
         </p:txBody>
@@ -4626,60 +4647,645 @@
       </p:grpSpPr>
       <p:sp>
         <p:nvSpPr>
-          <p:cNvPr id="2" name="Title 1">
-            <a:extLst>
-              <a:ext uri="{FF2B5EF4-FFF2-40B4-BE49-F238E27FC236}">
-                <a16:creationId xmlns:a16="http://schemas.microsoft.com/office/drawing/2014/main" id="{8681EA88-B6DE-8D49-B38A-4A7A79EE988D}"/>
-              </a:ext>
-            </a:extLst>
-          </p:cNvPr>
-          <p:cNvSpPr>
-            <a:spLocks noGrp="1"/>
-          </p:cNvSpPr>
-          <p:nvPr>
-            <p:ph type="ctrTitle"/>
-          </p:nvPr>
-        </p:nvSpPr>
-        <p:spPr/>
-        <p:txBody>
-          <a:bodyPr/>
-          <a:lstStyle/>
-          <a:p>
-            <a:endParaRPr lang="en-US"/>
-          </a:p>
-        </p:txBody>
-      </p:sp>
-      <p:sp>
-        <p:nvSpPr>
-          <p:cNvPr id="3" name="Subtitle 2">
-            <a:extLst>
-              <a:ext uri="{FF2B5EF4-FFF2-40B4-BE49-F238E27FC236}">
-                <a16:creationId xmlns:a16="http://schemas.microsoft.com/office/drawing/2014/main" id="{AD91F10F-7D62-CE41-A3A8-65B3CDC0ACE9}"/>
-              </a:ext>
-            </a:extLst>
-          </p:cNvPr>
-          <p:cNvSpPr>
-            <a:spLocks noGrp="1"/>
-          </p:cNvSpPr>
-          <p:nvPr>
-            <p:ph type="subTitle" idx="1"/>
-          </p:nvPr>
-        </p:nvSpPr>
-        <p:spPr/>
-        <p:txBody>
-          <a:bodyPr/>
-          <a:lstStyle/>
-          <a:p>
-            <a:endParaRPr lang="en-US"/>
-          </a:p>
-        </p:txBody>
-      </p:sp>
+          <p:cNvPr id="11" name="TextBox 10">
+            <a:extLst>
+              <a:ext uri="{FF2B5EF4-FFF2-40B4-BE49-F238E27FC236}">
+                <a16:creationId xmlns:a16="http://schemas.microsoft.com/office/drawing/2014/main" id="{405EC8FE-E48F-534A-ABAF-279B1973CFC8}"/>
+              </a:ext>
+            </a:extLst>
+          </p:cNvPr>
+          <p:cNvSpPr txBox="1"/>
+          <p:nvPr/>
+        </p:nvSpPr>
+        <p:spPr>
+          <a:xfrm>
+            <a:off x="398405" y="276885"/>
+            <a:ext cx="5895620" cy="646331"/>
+          </a:xfrm>
+          <a:prstGeom prst="rect">
+            <a:avLst/>
+          </a:prstGeom>
+          <a:noFill/>
+        </p:spPr>
+        <p:txBody>
+          <a:bodyPr wrap="square" rtlCol="0">
+            <a:spAutoFit/>
+          </a:bodyPr>
+          <a:lstStyle/>
+          <a:p>
+            <a:r>
+              <a:rPr lang="en-US" sz="3600" b="1" dirty="0">
+                <a:latin typeface="General Sans" pitchFamily="2" charset="77"/>
+              </a:rPr>
+              <a:t>Why Udapeople needs it?</a:t>
+            </a:r>
+          </a:p>
+        </p:txBody>
+      </p:sp>
+      <p:graphicFrame>
+        <p:nvGraphicFramePr>
+          <p:cNvPr id="4" name="Table 8">
+            <a:extLst>
+              <a:ext uri="{FF2B5EF4-FFF2-40B4-BE49-F238E27FC236}">
+                <a16:creationId xmlns:a16="http://schemas.microsoft.com/office/drawing/2014/main" id="{6E5E5890-FBE5-BF47-B897-5AE896BDE20B}"/>
+              </a:ext>
+            </a:extLst>
+          </p:cNvPr>
+          <p:cNvGraphicFramePr>
+            <a:graphicFrameLocks noGrp="1"/>
+          </p:cNvGraphicFramePr>
+          <p:nvPr>
+            <p:extLst>
+              <p:ext uri="{D42A27DB-BD31-4B8C-83A1-F6EECF244321}">
+                <p14:modId xmlns:p14="http://schemas.microsoft.com/office/powerpoint/2010/main" val="2904936072"/>
+              </p:ext>
+            </p:extLst>
+          </p:nvPr>
+        </p:nvGraphicFramePr>
+        <p:xfrm>
+          <a:off x="577509" y="979673"/>
+          <a:ext cx="11036982" cy="5125096"/>
+        </p:xfrm>
+        <a:graphic>
+          <a:graphicData uri="http://schemas.openxmlformats.org/drawingml/2006/table">
+            <a:tbl>
+              <a:tblPr firstRow="1" bandRow="1">
+                <a:tableStyleId>{9D7B26C5-4107-4FEC-AEDC-1716B250A1EF}</a:tableStyleId>
+              </a:tblPr>
+              <a:tblGrid>
+                <a:gridCol w="5518491">
+                  <a:extLst>
+                    <a:ext uri="{9D8B030D-6E8A-4147-A177-3AD203B41FA5}">
+                      <a16:colId xmlns:a16="http://schemas.microsoft.com/office/drawing/2014/main" val="1169993938"/>
+                    </a:ext>
+                  </a:extLst>
+                </a:gridCol>
+                <a:gridCol w="5518491">
+                  <a:extLst>
+                    <a:ext uri="{9D8B030D-6E8A-4147-A177-3AD203B41FA5}">
+                      <a16:colId xmlns:a16="http://schemas.microsoft.com/office/drawing/2014/main" val="961669529"/>
+                    </a:ext>
+                  </a:extLst>
+                </a:gridCol>
+              </a:tblGrid>
+              <a:tr h="417910">
+                <a:tc>
+                  <a:txBody>
+                    <a:bodyPr/>
+                    <a:lstStyle/>
+                    <a:p>
+                      <a:pPr algn="l"/>
+                      <a:r>
+                        <a:rPr lang="en-US" sz="2400" b="1" dirty="0">
+                          <a:latin typeface="General Sans" pitchFamily="2" charset="77"/>
+                        </a:rPr>
+                        <a:t>Technical Value</a:t>
+                      </a:r>
+                    </a:p>
+                  </a:txBody>
+                  <a:tcPr anchor="ctr"/>
+                </a:tc>
+                <a:tc>
+                  <a:txBody>
+                    <a:bodyPr/>
+                    <a:lstStyle/>
+                    <a:p>
+                      <a:pPr algn="l"/>
+                      <a:r>
+                        <a:rPr lang="en-US" sz="2400" b="1" dirty="0">
+                          <a:latin typeface="General Sans" pitchFamily="2" charset="77"/>
+                        </a:rPr>
+                        <a:t>Business Value</a:t>
+                      </a:r>
+                    </a:p>
+                  </a:txBody>
+                  <a:tcPr anchor="ctr"/>
+                </a:tc>
+                <a:extLst>
+                  <a:ext uri="{0D108BD9-81ED-4DB2-BD59-A6C34878D82A}">
+                    <a16:rowId xmlns:a16="http://schemas.microsoft.com/office/drawing/2014/main" val="2056737889"/>
+                  </a:ext>
+                </a:extLst>
+              </a:tr>
+              <a:tr h="663682">
+                <a:tc>
+                  <a:txBody>
+                    <a:bodyPr/>
+                    <a:lstStyle/>
+                    <a:p>
+                      <a:pPr marL="0" marR="0" lvl="0" indent="0" algn="l" defTabSz="914400" rtl="0" eaLnBrk="1" fontAlgn="auto" latinLnBrk="0" hangingPunct="1">
+                        <a:lnSpc>
+                          <a:spcPct val="100000"/>
+                        </a:lnSpc>
+                        <a:spcBef>
+                          <a:spcPts val="0"/>
+                        </a:spcBef>
+                        <a:spcAft>
+                          <a:spcPts val="0"/>
+                        </a:spcAft>
+                        <a:buClrTx/>
+                        <a:buSzTx/>
+                        <a:buFontTx/>
+                        <a:buNone/>
+                        <a:tabLst/>
+                        <a:defRPr/>
+                      </a:pPr>
+                      <a:r>
+                        <a:rPr lang="en-US" sz="2400" b="0" i="0" kern="1200" dirty="0">
+                          <a:solidFill>
+                            <a:schemeClr val="tx1"/>
+                          </a:solidFill>
+                          <a:effectLst/>
+                          <a:latin typeface="General Sans" pitchFamily="2" charset="77"/>
+                          <a:ea typeface="+mn-ea"/>
+                          <a:cs typeface="+mn-cs"/>
+                        </a:rPr>
+                        <a:t>               Better code quality</a:t>
+                      </a:r>
+                    </a:p>
+                  </a:txBody>
+                  <a:tcPr anchor="ctr">
+                    <a:solidFill>
+                      <a:schemeClr val="tx1">
+                        <a:alpha val="20000"/>
+                      </a:schemeClr>
+                    </a:solidFill>
+                  </a:tcPr>
+                </a:tc>
+                <a:tc>
+                  <a:txBody>
+                    <a:bodyPr/>
+                    <a:lstStyle/>
+                    <a:p>
+                      <a:r>
+                        <a:rPr lang="en-US" sz="2400" b="0" dirty="0">
+                          <a:latin typeface="General Sans" pitchFamily="2" charset="77"/>
+                        </a:rPr>
+                        <a:t>Protect Revenue</a:t>
+                      </a:r>
+                    </a:p>
+                  </a:txBody>
+                  <a:tcPr anchor="ctr">
+                    <a:solidFill>
+                      <a:schemeClr val="tx1">
+                        <a:alpha val="20000"/>
+                      </a:schemeClr>
+                    </a:solidFill>
+                  </a:tcPr>
+                </a:tc>
+                <a:extLst>
+                  <a:ext uri="{0D108BD9-81ED-4DB2-BD59-A6C34878D82A}">
+                    <a16:rowId xmlns:a16="http://schemas.microsoft.com/office/drawing/2014/main" val="2938362053"/>
+                  </a:ext>
+                </a:extLst>
+              </a:tr>
+              <a:tr h="715782">
+                <a:tc>
+                  <a:txBody>
+                    <a:bodyPr/>
+                    <a:lstStyle/>
+                    <a:p>
+                      <a:pPr marL="0" marR="0" lvl="0" indent="0" algn="l" defTabSz="914400" rtl="0" eaLnBrk="1" fontAlgn="auto" latinLnBrk="0" hangingPunct="1">
+                        <a:lnSpc>
+                          <a:spcPct val="100000"/>
+                        </a:lnSpc>
+                        <a:spcBef>
+                          <a:spcPts val="0"/>
+                        </a:spcBef>
+                        <a:spcAft>
+                          <a:spcPts val="0"/>
+                        </a:spcAft>
+                        <a:buClrTx/>
+                        <a:buSzTx/>
+                        <a:buFontTx/>
+                        <a:buNone/>
+                        <a:tabLst/>
+                        <a:defRPr/>
+                      </a:pPr>
+                      <a:r>
+                        <a:rPr lang="en-US" sz="2400" b="0" i="0" kern="1200" dirty="0">
+                          <a:solidFill>
+                            <a:schemeClr val="tx1"/>
+                          </a:solidFill>
+                          <a:effectLst/>
+                          <a:latin typeface="General Sans" pitchFamily="2" charset="77"/>
+                          <a:ea typeface="+mn-ea"/>
+                          <a:cs typeface="+mn-cs"/>
+                        </a:rPr>
+                        <a:t>               Faster bug fixes</a:t>
+                      </a:r>
+                    </a:p>
+                  </a:txBody>
+                  <a:tcPr anchor="ctr"/>
+                </a:tc>
+                <a:tc>
+                  <a:txBody>
+                    <a:bodyPr/>
+                    <a:lstStyle/>
+                    <a:p>
+                      <a:r>
+                        <a:rPr lang="en-US" sz="2400" b="0" dirty="0">
+                          <a:latin typeface="General Sans" pitchFamily="2" charset="77"/>
+                        </a:rPr>
+                        <a:t>Avoid Extra Cost</a:t>
+                      </a:r>
+                    </a:p>
+                  </a:txBody>
+                  <a:tcPr anchor="ctr"/>
+                </a:tc>
+                <a:extLst>
+                  <a:ext uri="{0D108BD9-81ED-4DB2-BD59-A6C34878D82A}">
+                    <a16:rowId xmlns:a16="http://schemas.microsoft.com/office/drawing/2014/main" val="1369614923"/>
+                  </a:ext>
+                </a:extLst>
+              </a:tr>
+              <a:tr h="715782">
+                <a:tc>
+                  <a:txBody>
+                    <a:bodyPr/>
+                    <a:lstStyle/>
+                    <a:p>
+                      <a:pPr marL="0" marR="0" lvl="0" indent="0" algn="l" defTabSz="914400" rtl="0" eaLnBrk="1" fontAlgn="auto" latinLnBrk="0" hangingPunct="1">
+                        <a:lnSpc>
+                          <a:spcPct val="100000"/>
+                        </a:lnSpc>
+                        <a:spcBef>
+                          <a:spcPts val="0"/>
+                        </a:spcBef>
+                        <a:spcAft>
+                          <a:spcPts val="0"/>
+                        </a:spcAft>
+                        <a:buClrTx/>
+                        <a:buSzTx/>
+                        <a:buFontTx/>
+                        <a:buNone/>
+                        <a:tabLst/>
+                        <a:defRPr/>
+                      </a:pPr>
+                      <a:r>
+                        <a:rPr lang="en-US" sz="2400" b="0" i="0" kern="1200" dirty="0">
+                          <a:solidFill>
+                            <a:schemeClr val="tx1"/>
+                          </a:solidFill>
+                          <a:effectLst/>
+                          <a:latin typeface="General Sans" pitchFamily="2" charset="77"/>
+                          <a:ea typeface="+mn-ea"/>
+                          <a:cs typeface="+mn-cs"/>
+                        </a:rPr>
+                        <a:t>               Efficient infrastructure</a:t>
+                      </a:r>
+                    </a:p>
+                  </a:txBody>
+                  <a:tcPr anchor="ctr">
+                    <a:solidFill>
+                      <a:schemeClr val="tx1">
+                        <a:alpha val="20000"/>
+                      </a:schemeClr>
+                    </a:solidFill>
+                  </a:tcPr>
+                </a:tc>
+                <a:tc>
+                  <a:txBody>
+                    <a:bodyPr/>
+                    <a:lstStyle/>
+                    <a:p>
+                      <a:pPr marL="0" marR="0" lvl="0" indent="0" algn="l" defTabSz="914400" rtl="0" eaLnBrk="1" fontAlgn="auto" latinLnBrk="0" hangingPunct="1">
+                        <a:lnSpc>
+                          <a:spcPct val="100000"/>
+                        </a:lnSpc>
+                        <a:spcBef>
+                          <a:spcPts val="0"/>
+                        </a:spcBef>
+                        <a:spcAft>
+                          <a:spcPts val="0"/>
+                        </a:spcAft>
+                        <a:buClrTx/>
+                        <a:buSzTx/>
+                        <a:buFontTx/>
+                        <a:buNone/>
+                        <a:tabLst/>
+                        <a:defRPr/>
+                      </a:pPr>
+                      <a:r>
+                        <a:rPr lang="en-US" sz="2400" b="0" dirty="0">
+                          <a:latin typeface="General Sans" pitchFamily="2" charset="77"/>
+                        </a:rPr>
+                        <a:t>Avoid Extra Cost</a:t>
+                      </a:r>
+                    </a:p>
+                  </a:txBody>
+                  <a:tcPr anchor="ctr">
+                    <a:solidFill>
+                      <a:schemeClr val="tx1">
+                        <a:alpha val="20000"/>
+                      </a:schemeClr>
+                    </a:solidFill>
+                  </a:tcPr>
+                </a:tc>
+                <a:extLst>
+                  <a:ext uri="{0D108BD9-81ED-4DB2-BD59-A6C34878D82A}">
+                    <a16:rowId xmlns:a16="http://schemas.microsoft.com/office/drawing/2014/main" val="2529762232"/>
+                  </a:ext>
+                </a:extLst>
+              </a:tr>
+              <a:tr h="1033908">
+                <a:tc>
+                  <a:txBody>
+                    <a:bodyPr/>
+                    <a:lstStyle/>
+                    <a:p>
+                      <a:pPr marL="0" marR="0" lvl="0" indent="0" algn="l" defTabSz="914400" rtl="0" eaLnBrk="1" fontAlgn="auto" latinLnBrk="0" hangingPunct="1">
+                        <a:lnSpc>
+                          <a:spcPct val="100000"/>
+                        </a:lnSpc>
+                        <a:spcBef>
+                          <a:spcPts val="0"/>
+                        </a:spcBef>
+                        <a:spcAft>
+                          <a:spcPts val="0"/>
+                        </a:spcAft>
+                        <a:buClrTx/>
+                        <a:buSzTx/>
+                        <a:buFontTx/>
+                        <a:buNone/>
+                        <a:tabLst/>
+                        <a:defRPr/>
+                      </a:pPr>
+                      <a:r>
+                        <a:rPr lang="en-US" sz="2400" b="0" i="0" kern="1200" dirty="0">
+                          <a:solidFill>
+                            <a:schemeClr val="tx1"/>
+                          </a:solidFill>
+                          <a:effectLst/>
+                          <a:latin typeface="General Sans" pitchFamily="2" charset="77"/>
+                          <a:ea typeface="+mn-ea"/>
+                          <a:cs typeface="+mn-cs"/>
+                        </a:rPr>
+                        <a:t>               Measurable progress/Less</a:t>
+                      </a:r>
+                    </a:p>
+                    <a:p>
+                      <a:pPr marL="0" marR="0" lvl="0" indent="0" algn="l" defTabSz="914400" rtl="0" eaLnBrk="1" fontAlgn="auto" latinLnBrk="0" hangingPunct="1">
+                        <a:lnSpc>
+                          <a:spcPct val="100000"/>
+                        </a:lnSpc>
+                        <a:spcBef>
+                          <a:spcPts val="0"/>
+                        </a:spcBef>
+                        <a:spcAft>
+                          <a:spcPts val="0"/>
+                        </a:spcAft>
+                        <a:buClrTx/>
+                        <a:buSzTx/>
+                        <a:buFontTx/>
+                        <a:buNone/>
+                        <a:tabLst/>
+                        <a:defRPr/>
+                      </a:pPr>
+                      <a:r>
+                        <a:rPr lang="en-US" sz="2400" b="0" i="0" kern="1200" dirty="0">
+                          <a:solidFill>
+                            <a:schemeClr val="tx1"/>
+                          </a:solidFill>
+                          <a:effectLst/>
+                          <a:latin typeface="General Sans" pitchFamily="2" charset="77"/>
+                          <a:ea typeface="+mn-ea"/>
+                          <a:cs typeface="+mn-cs"/>
+                        </a:rPr>
+                        <a:t>               time to Market</a:t>
+                      </a:r>
+                    </a:p>
+                  </a:txBody>
+                  <a:tcPr anchor="ctr"/>
+                </a:tc>
+                <a:tc>
+                  <a:txBody>
+                    <a:bodyPr/>
+                    <a:lstStyle/>
+                    <a:p>
+                      <a:r>
+                        <a:rPr lang="en-US" sz="2400" b="0" dirty="0">
+                          <a:latin typeface="General Sans" pitchFamily="2" charset="77"/>
+                        </a:rPr>
+                        <a:t>Increase Revenue</a:t>
+                      </a:r>
+                    </a:p>
+                  </a:txBody>
+                  <a:tcPr anchor="ctr"/>
+                </a:tc>
+                <a:extLst>
+                  <a:ext uri="{0D108BD9-81ED-4DB2-BD59-A6C34878D82A}">
+                    <a16:rowId xmlns:a16="http://schemas.microsoft.com/office/drawing/2014/main" val="2504341390"/>
+                  </a:ext>
+                </a:extLst>
+              </a:tr>
+              <a:tr h="715782">
+                <a:tc>
+                  <a:txBody>
+                    <a:bodyPr/>
+                    <a:lstStyle/>
+                    <a:p>
+                      <a:pPr marL="0" marR="0" lvl="0" indent="0" algn="l" defTabSz="914400" rtl="0" eaLnBrk="1" fontAlgn="auto" latinLnBrk="0" hangingPunct="1">
+                        <a:lnSpc>
+                          <a:spcPct val="100000"/>
+                        </a:lnSpc>
+                        <a:spcBef>
+                          <a:spcPts val="0"/>
+                        </a:spcBef>
+                        <a:spcAft>
+                          <a:spcPts val="0"/>
+                        </a:spcAft>
+                        <a:buClrTx/>
+                        <a:buSzTx/>
+                        <a:buFontTx/>
+                        <a:buNone/>
+                        <a:tabLst/>
+                        <a:defRPr/>
+                      </a:pPr>
+                      <a:r>
+                        <a:rPr lang="en-US" sz="2400" b="0" i="0" kern="1200" dirty="0">
+                          <a:solidFill>
+                            <a:schemeClr val="tx1"/>
+                          </a:solidFill>
+                          <a:effectLst/>
+                          <a:latin typeface="General Sans" pitchFamily="2" charset="77"/>
+                          <a:ea typeface="+mn-ea"/>
+                          <a:cs typeface="+mn-cs"/>
+                        </a:rPr>
+                        <a:t>               Collaboration and</a:t>
+                      </a:r>
+                    </a:p>
+                    <a:p>
+                      <a:pPr marL="0" marR="0" lvl="0" indent="0" algn="l" defTabSz="914400" rtl="0" eaLnBrk="1" fontAlgn="auto" latinLnBrk="0" hangingPunct="1">
+                        <a:lnSpc>
+                          <a:spcPct val="100000"/>
+                        </a:lnSpc>
+                        <a:spcBef>
+                          <a:spcPts val="0"/>
+                        </a:spcBef>
+                        <a:spcAft>
+                          <a:spcPts val="0"/>
+                        </a:spcAft>
+                        <a:buClrTx/>
+                        <a:buSzTx/>
+                        <a:buFontTx/>
+                        <a:buNone/>
+                        <a:tabLst/>
+                        <a:defRPr/>
+                      </a:pPr>
+                      <a:r>
+                        <a:rPr lang="en-US" sz="2400" b="0" i="0" kern="1200" dirty="0">
+                          <a:solidFill>
+                            <a:schemeClr val="tx1"/>
+                          </a:solidFill>
+                          <a:effectLst/>
+                          <a:latin typeface="General Sans" pitchFamily="2" charset="77"/>
+                          <a:ea typeface="+mn-ea"/>
+                          <a:cs typeface="+mn-cs"/>
+                        </a:rPr>
+                        <a:t>               Communication</a:t>
+                      </a:r>
+                    </a:p>
+                  </a:txBody>
+                  <a:tcPr anchor="ctr">
+                    <a:solidFill>
+                      <a:schemeClr val="tx1">
+                        <a:alpha val="20000"/>
+                      </a:schemeClr>
+                    </a:solidFill>
+                  </a:tcPr>
+                </a:tc>
+                <a:tc>
+                  <a:txBody>
+                    <a:bodyPr/>
+                    <a:lstStyle/>
+                    <a:p>
+                      <a:pPr marL="0" marR="0" lvl="0" indent="0" algn="l" defTabSz="914400" rtl="0" eaLnBrk="1" fontAlgn="auto" latinLnBrk="0" hangingPunct="1">
+                        <a:lnSpc>
+                          <a:spcPct val="100000"/>
+                        </a:lnSpc>
+                        <a:spcBef>
+                          <a:spcPts val="0"/>
+                        </a:spcBef>
+                        <a:spcAft>
+                          <a:spcPts val="0"/>
+                        </a:spcAft>
+                        <a:buClrTx/>
+                        <a:buSzTx/>
+                        <a:buFontTx/>
+                        <a:buNone/>
+                        <a:tabLst/>
+                        <a:defRPr/>
+                      </a:pPr>
+                      <a:r>
+                        <a:rPr lang="en-US" sz="2400" b="0" dirty="0">
+                          <a:latin typeface="General Sans" pitchFamily="2" charset="77"/>
+                        </a:rPr>
+                        <a:t>Avoid Extra Cost</a:t>
+                      </a:r>
+                    </a:p>
+                  </a:txBody>
+                  <a:tcPr anchor="ctr">
+                    <a:solidFill>
+                      <a:schemeClr val="tx1">
+                        <a:alpha val="20000"/>
+                      </a:schemeClr>
+                    </a:solidFill>
+                  </a:tcPr>
+                </a:tc>
+                <a:extLst>
+                  <a:ext uri="{0D108BD9-81ED-4DB2-BD59-A6C34878D82A}">
+                    <a16:rowId xmlns:a16="http://schemas.microsoft.com/office/drawing/2014/main" val="1995411007"/>
+                  </a:ext>
+                </a:extLst>
+              </a:tr>
+              <a:tr h="715782">
+                <a:tc>
+                  <a:txBody>
+                    <a:bodyPr/>
+                    <a:lstStyle/>
+                    <a:p>
+                      <a:pPr marL="0" marR="0" lvl="0" indent="0" algn="l" defTabSz="914400" rtl="0" eaLnBrk="1" fontAlgn="auto" latinLnBrk="0" hangingPunct="1">
+                        <a:lnSpc>
+                          <a:spcPct val="100000"/>
+                        </a:lnSpc>
+                        <a:spcBef>
+                          <a:spcPts val="0"/>
+                        </a:spcBef>
+                        <a:spcAft>
+                          <a:spcPts val="0"/>
+                        </a:spcAft>
+                        <a:buClrTx/>
+                        <a:buSzTx/>
+                        <a:buFontTx/>
+                        <a:buNone/>
+                        <a:tabLst/>
+                        <a:defRPr/>
+                      </a:pPr>
+                      <a:r>
+                        <a:rPr lang="en-US" sz="2400" b="0" i="0" kern="1200" dirty="0">
+                          <a:solidFill>
+                            <a:schemeClr val="tx1"/>
+                          </a:solidFill>
+                          <a:effectLst/>
+                          <a:latin typeface="General Sans" pitchFamily="2" charset="77"/>
+                          <a:ea typeface="+mn-ea"/>
+                          <a:cs typeface="+mn-cs"/>
+                        </a:rPr>
+                        <a:t>               Maximized creativity</a:t>
+                      </a:r>
+                    </a:p>
+                  </a:txBody>
+                  <a:tcPr anchor="ctr"/>
+                </a:tc>
+                <a:tc>
+                  <a:txBody>
+                    <a:bodyPr/>
+                    <a:lstStyle/>
+                    <a:p>
+                      <a:pPr marL="0" marR="0" lvl="0" indent="0" algn="l" defTabSz="914400" rtl="0" eaLnBrk="1" fontAlgn="auto" latinLnBrk="0" hangingPunct="1">
+                        <a:lnSpc>
+                          <a:spcPct val="100000"/>
+                        </a:lnSpc>
+                        <a:spcBef>
+                          <a:spcPts val="0"/>
+                        </a:spcBef>
+                        <a:spcAft>
+                          <a:spcPts val="0"/>
+                        </a:spcAft>
+                        <a:buClrTx/>
+                        <a:buSzTx/>
+                        <a:buFontTx/>
+                        <a:buNone/>
+                        <a:tabLst/>
+                        <a:defRPr/>
+                      </a:pPr>
+                      <a:r>
+                        <a:rPr lang="en-US" sz="2400" b="0" dirty="0">
+                          <a:latin typeface="General Sans" pitchFamily="2" charset="77"/>
+                        </a:rPr>
+                        <a:t>Protect Revenue</a:t>
+                      </a:r>
+                    </a:p>
+                  </a:txBody>
+                  <a:tcPr anchor="ctr"/>
+                </a:tc>
+                <a:extLst>
+                  <a:ext uri="{0D108BD9-81ED-4DB2-BD59-A6C34878D82A}">
+                    <a16:rowId xmlns:a16="http://schemas.microsoft.com/office/drawing/2014/main" val="2139901721"/>
+                  </a:ext>
+                </a:extLst>
+              </a:tr>
+            </a:tbl>
+          </a:graphicData>
+        </a:graphic>
+      </p:graphicFrame>
       <p:pic>
         <p:nvPicPr>
-          <p:cNvPr id="5" name="Picture 4" descr="Graphical user interface, text, application&#10;&#10;Description automatically generated">
-            <a:extLst>
-              <a:ext uri="{FF2B5EF4-FFF2-40B4-BE49-F238E27FC236}">
-                <a16:creationId xmlns:a16="http://schemas.microsoft.com/office/drawing/2014/main" id="{A1C47135-EB81-B849-B035-7F06A15E97B9}"/>
+          <p:cNvPr id="13" name="Picture 12" descr="Shape&#10;&#10;Description automatically generated with low confidence">
+            <a:extLst>
+              <a:ext uri="{FF2B5EF4-FFF2-40B4-BE49-F238E27FC236}">
+                <a16:creationId xmlns:a16="http://schemas.microsoft.com/office/drawing/2014/main" id="{689DE393-DACB-AE48-8596-31261C316AC5}"/>
               </a:ext>
             </a:extLst>
           </p:cNvPr>
@@ -4688,263 +5294,166 @@
           </p:cNvPicPr>
           <p:nvPr/>
         </p:nvPicPr>
-        <p:blipFill>
+        <p:blipFill rotWithShape="1">
           <a:blip r:embed="rId2"/>
-          <a:stretch>
-            <a:fillRect/>
-          </a:stretch>
+          <a:srcRect b="17233"/>
+          <a:stretch/>
         </p:blipFill>
         <p:spPr>
           <a:xfrm>
-            <a:off x="0" y="0"/>
-            <a:ext cx="10357827" cy="6700587"/>
+            <a:off x="756228" y="1494355"/>
+            <a:ext cx="684645" cy="566663"/>
           </a:xfrm>
           <a:prstGeom prst="rect">
             <a:avLst/>
           </a:prstGeom>
         </p:spPr>
       </p:pic>
-      <p:sp>
-        <p:nvSpPr>
-          <p:cNvPr id="6" name="Rectangle 5">
-            <a:extLst>
-              <a:ext uri="{FF2B5EF4-FFF2-40B4-BE49-F238E27FC236}">
-                <a16:creationId xmlns:a16="http://schemas.microsoft.com/office/drawing/2014/main" id="{9E37CF6E-7FDD-7349-A772-838F52880BCC}"/>
-              </a:ext>
-            </a:extLst>
-          </p:cNvPr>
-          <p:cNvSpPr/>
+      <p:pic>
+        <p:nvPicPr>
+          <p:cNvPr id="15" name="Picture 14" descr="Shape&#10;&#10;Description automatically generated with low confidence">
+            <a:extLst>
+              <a:ext uri="{FF2B5EF4-FFF2-40B4-BE49-F238E27FC236}">
+                <a16:creationId xmlns:a16="http://schemas.microsoft.com/office/drawing/2014/main" id="{8D2D01DE-2ABE-374D-BA5E-B170BCF21399}"/>
+              </a:ext>
+            </a:extLst>
+          </p:cNvPr>
+          <p:cNvPicPr>
+            <a:picLocks noChangeAspect="1"/>
+          </p:cNvPicPr>
           <p:nvPr/>
-        </p:nvSpPr>
-        <p:spPr>
-          <a:xfrm>
-            <a:off x="4721712" y="1858963"/>
-            <a:ext cx="2312133" cy="914400"/>
+        </p:nvPicPr>
+        <p:blipFill rotWithShape="1">
+          <a:blip r:embed="rId3"/>
+          <a:srcRect b="15870"/>
+          <a:stretch/>
+        </p:blipFill>
+        <p:spPr>
+          <a:xfrm>
+            <a:off x="714663" y="2112792"/>
+            <a:ext cx="850180" cy="715255"/>
           </a:xfrm>
           <a:prstGeom prst="rect">
             <a:avLst/>
           </a:prstGeom>
-          <a:solidFill>
-            <a:srgbClr val="0A7A9B"/>
-          </a:solidFill>
-          <a:ln>
-            <a:noFill/>
-          </a:ln>
-        </p:spPr>
-        <p:style>
-          <a:lnRef idx="2">
-            <a:schemeClr val="accent1">
-              <a:shade val="50000"/>
-            </a:schemeClr>
-          </a:lnRef>
-          <a:fillRef idx="1">
-            <a:schemeClr val="accent1"/>
-          </a:fillRef>
-          <a:effectRef idx="0">
-            <a:schemeClr val="accent1"/>
-          </a:effectRef>
-          <a:fontRef idx="minor">
-            <a:schemeClr val="lt1"/>
-          </a:fontRef>
-        </p:style>
-        <p:txBody>
-          <a:bodyPr rtlCol="0" anchor="ctr"/>
-          <a:lstStyle/>
-          <a:p>
-            <a:pPr algn="ctr"/>
-            <a:endParaRPr lang="en-US"/>
-          </a:p>
-        </p:txBody>
-      </p:sp>
-      <p:sp>
-        <p:nvSpPr>
-          <p:cNvPr id="7" name="Rectangle 6">
-            <a:extLst>
-              <a:ext uri="{FF2B5EF4-FFF2-40B4-BE49-F238E27FC236}">
-                <a16:creationId xmlns:a16="http://schemas.microsoft.com/office/drawing/2014/main" id="{5E0C3F52-DF0C-4A44-9E70-58704D90F753}"/>
-              </a:ext>
-            </a:extLst>
-          </p:cNvPr>
-          <p:cNvSpPr/>
+        </p:spPr>
+      </p:pic>
+      <p:pic>
+        <p:nvPicPr>
+          <p:cNvPr id="17" name="Picture 16" descr="Shape&#10;&#10;Description automatically generated with low confidence">
+            <a:extLst>
+              <a:ext uri="{FF2B5EF4-FFF2-40B4-BE49-F238E27FC236}">
+                <a16:creationId xmlns:a16="http://schemas.microsoft.com/office/drawing/2014/main" id="{08C01F40-D4C5-0E4A-91B4-73BCC6F304FE}"/>
+              </a:ext>
+            </a:extLst>
+          </p:cNvPr>
+          <p:cNvPicPr>
+            <a:picLocks noChangeAspect="1"/>
+          </p:cNvPicPr>
           <p:nvPr/>
-        </p:nvSpPr>
-        <p:spPr>
-          <a:xfrm>
-            <a:off x="1" y="0"/>
-            <a:ext cx="12192000" cy="6858000"/>
+        </p:nvPicPr>
+        <p:blipFill rotWithShape="1">
+          <a:blip r:embed="rId4"/>
+          <a:srcRect b="20857"/>
+          <a:stretch/>
+        </p:blipFill>
+        <p:spPr>
+          <a:xfrm>
+            <a:off x="690218" y="2828047"/>
+            <a:ext cx="816663" cy="646331"/>
           </a:xfrm>
           <a:prstGeom prst="rect">
             <a:avLst/>
           </a:prstGeom>
-          <a:solidFill>
-            <a:srgbClr val="0A7A9B"/>
-          </a:solidFill>
-          <a:ln>
-            <a:noFill/>
-          </a:ln>
-        </p:spPr>
-        <p:style>
-          <a:lnRef idx="2">
-            <a:schemeClr val="accent1">
-              <a:shade val="50000"/>
-            </a:schemeClr>
-          </a:lnRef>
-          <a:fillRef idx="1">
-            <a:schemeClr val="accent1"/>
-          </a:fillRef>
-          <a:effectRef idx="0">
-            <a:schemeClr val="accent1"/>
-          </a:effectRef>
-          <a:fontRef idx="minor">
-            <a:schemeClr val="lt1"/>
-          </a:fontRef>
-        </p:style>
-        <p:txBody>
-          <a:bodyPr rtlCol="0" anchor="ctr"/>
-          <a:lstStyle/>
-          <a:p>
-            <a:pPr algn="ctr"/>
-            <a:endParaRPr lang="en-US"/>
-          </a:p>
-        </p:txBody>
-      </p:sp>
-      <p:sp>
-        <p:nvSpPr>
-          <p:cNvPr id="8" name="Rectangle 7">
-            <a:extLst>
-              <a:ext uri="{FF2B5EF4-FFF2-40B4-BE49-F238E27FC236}">
-                <a16:creationId xmlns:a16="http://schemas.microsoft.com/office/drawing/2014/main" id="{45294CDC-2FDF-D441-9C7C-88994F25DF30}"/>
-              </a:ext>
-            </a:extLst>
-          </p:cNvPr>
-          <p:cNvSpPr/>
+        </p:spPr>
+      </p:pic>
+      <p:pic>
+        <p:nvPicPr>
+          <p:cNvPr id="19" name="Picture 18" descr="Shape&#10;&#10;Description automatically generated with low confidence">
+            <a:extLst>
+              <a:ext uri="{FF2B5EF4-FFF2-40B4-BE49-F238E27FC236}">
+                <a16:creationId xmlns:a16="http://schemas.microsoft.com/office/drawing/2014/main" id="{D46EC7B3-7DA8-1B49-87F6-2045F4DD7726}"/>
+              </a:ext>
+            </a:extLst>
+          </p:cNvPr>
+          <p:cNvPicPr>
+            <a:picLocks noChangeAspect="1"/>
+          </p:cNvPicPr>
           <p:nvPr/>
-        </p:nvSpPr>
-        <p:spPr>
-          <a:xfrm>
-            <a:off x="0" y="5008098"/>
-            <a:ext cx="9917723" cy="1849902"/>
+        </p:nvPicPr>
+        <p:blipFill rotWithShape="1">
+          <a:blip r:embed="rId5"/>
+          <a:srcRect b="19299"/>
+          <a:stretch/>
+        </p:blipFill>
+        <p:spPr>
+          <a:xfrm>
+            <a:off x="690218" y="3728690"/>
+            <a:ext cx="850900" cy="686687"/>
           </a:xfrm>
           <a:prstGeom prst="rect">
             <a:avLst/>
           </a:prstGeom>
-          <a:solidFill>
-            <a:srgbClr val="0A7A9B"/>
-          </a:solidFill>
-          <a:ln>
-            <a:noFill/>
-          </a:ln>
-        </p:spPr>
-        <p:style>
-          <a:lnRef idx="2">
-            <a:schemeClr val="accent1">
-              <a:shade val="50000"/>
-            </a:schemeClr>
-          </a:lnRef>
-          <a:fillRef idx="1">
-            <a:schemeClr val="accent1"/>
-          </a:fillRef>
-          <a:effectRef idx="0">
-            <a:schemeClr val="accent1"/>
-          </a:effectRef>
-          <a:fontRef idx="minor">
-            <a:schemeClr val="lt1"/>
-          </a:fontRef>
-        </p:style>
-        <p:txBody>
-          <a:bodyPr rtlCol="0" anchor="ctr"/>
-          <a:lstStyle/>
-          <a:p>
-            <a:pPr algn="ctr"/>
-            <a:endParaRPr lang="en-US"/>
-          </a:p>
-        </p:txBody>
-      </p:sp>
-      <p:sp>
-        <p:nvSpPr>
-          <p:cNvPr id="10" name="TextBox 9">
-            <a:extLst>
-              <a:ext uri="{FF2B5EF4-FFF2-40B4-BE49-F238E27FC236}">
-                <a16:creationId xmlns:a16="http://schemas.microsoft.com/office/drawing/2014/main" id="{7B390D23-70DC-A245-A764-199E8047D0B8}"/>
-              </a:ext>
-            </a:extLst>
-          </p:cNvPr>
-          <p:cNvSpPr txBox="1"/>
+        </p:spPr>
+      </p:pic>
+      <p:pic>
+        <p:nvPicPr>
+          <p:cNvPr id="21" name="Picture 20" descr="Shape&#10;&#10;Description automatically generated with low confidence">
+            <a:extLst>
+              <a:ext uri="{FF2B5EF4-FFF2-40B4-BE49-F238E27FC236}">
+                <a16:creationId xmlns:a16="http://schemas.microsoft.com/office/drawing/2014/main" id="{84E2ADA3-0029-DF4C-B7B8-B2BFEDE36E1A}"/>
+              </a:ext>
+            </a:extLst>
+          </p:cNvPr>
+          <p:cNvPicPr>
+            <a:picLocks noChangeAspect="1"/>
+          </p:cNvPicPr>
           <p:nvPr/>
-        </p:nvSpPr>
-        <p:spPr>
-          <a:xfrm>
-            <a:off x="734376" y="370138"/>
-            <a:ext cx="5143402" cy="1107996"/>
+        </p:nvPicPr>
+        <p:blipFill rotWithShape="1">
+          <a:blip r:embed="rId6"/>
+          <a:srcRect b="21792"/>
+          <a:stretch/>
+        </p:blipFill>
+        <p:spPr>
+          <a:xfrm>
+            <a:off x="782320" y="4676421"/>
+            <a:ext cx="724561" cy="566663"/>
           </a:xfrm>
           <a:prstGeom prst="rect">
             <a:avLst/>
           </a:prstGeom>
-          <a:noFill/>
-        </p:spPr>
-        <p:txBody>
-          <a:bodyPr wrap="square" rtlCol="0">
-            <a:spAutoFit/>
-          </a:bodyPr>
-          <a:lstStyle/>
-          <a:p>
-            <a:r>
-              <a:rPr lang="en-US" sz="6600" b="1" dirty="0">
-                <a:solidFill>
-                  <a:schemeClr val="bg1">
-                    <a:lumMod val="85000"/>
-                  </a:schemeClr>
-                </a:solidFill>
-                <a:latin typeface="General Sans" pitchFamily="2" charset="77"/>
-              </a:rPr>
-              <a:t>Q &amp; A</a:t>
-            </a:r>
-          </a:p>
-        </p:txBody>
-      </p:sp>
-      <p:sp>
-        <p:nvSpPr>
-          <p:cNvPr id="12" name="TextBox 11">
-            <a:extLst>
-              <a:ext uri="{FF2B5EF4-FFF2-40B4-BE49-F238E27FC236}">
-                <a16:creationId xmlns:a16="http://schemas.microsoft.com/office/drawing/2014/main" id="{48B81D23-99AE-3846-9980-40FFC5298541}"/>
-              </a:ext>
-            </a:extLst>
-          </p:cNvPr>
-          <p:cNvSpPr txBox="1"/>
+        </p:spPr>
+      </p:pic>
+      <p:pic>
+        <p:nvPicPr>
+          <p:cNvPr id="23" name="Picture 22">
+            <a:extLst>
+              <a:ext uri="{FF2B5EF4-FFF2-40B4-BE49-F238E27FC236}">
+                <a16:creationId xmlns:a16="http://schemas.microsoft.com/office/drawing/2014/main" id="{F798C4F1-8B7D-0347-9F90-B9293138152C}"/>
+              </a:ext>
+            </a:extLst>
+          </p:cNvPr>
+          <p:cNvPicPr>
+            <a:picLocks noChangeAspect="1"/>
+          </p:cNvPicPr>
           <p:nvPr/>
-        </p:nvSpPr>
-        <p:spPr>
-          <a:xfrm>
-            <a:off x="3714897" y="1958863"/>
-            <a:ext cx="5143402" cy="3154710"/>
+        </p:nvPicPr>
+        <p:blipFill rotWithShape="1">
+          <a:blip r:embed="rId7"/>
+          <a:srcRect b="16805"/>
+          <a:stretch/>
+        </p:blipFill>
+        <p:spPr>
+          <a:xfrm>
+            <a:off x="756228" y="5396162"/>
+            <a:ext cx="825396" cy="686687"/>
           </a:xfrm>
           <a:prstGeom prst="rect">
             <a:avLst/>
           </a:prstGeom>
-          <a:noFill/>
-        </p:spPr>
-        <p:txBody>
-          <a:bodyPr wrap="square" rtlCol="0">
-            <a:spAutoFit/>
-          </a:bodyPr>
-          <a:lstStyle/>
-          <a:p>
-            <a:pPr algn="ctr"/>
-            <a:r>
-              <a:rPr lang="en-US" sz="19900" b="1" dirty="0">
-                <a:solidFill>
-                  <a:schemeClr val="bg1">
-                    <a:lumMod val="85000"/>
-                  </a:schemeClr>
-                </a:solidFill>
-                <a:latin typeface="General Sans" pitchFamily="2" charset="77"/>
-              </a:rPr>
-              <a:t>?</a:t>
-            </a:r>
-          </a:p>
-        </p:txBody>
-      </p:sp>
+        </p:spPr>
+      </p:pic>
     </p:spTree>
     <p:extLst>
       <p:ext uri="{BB962C8B-B14F-4D97-AF65-F5344CB8AC3E}">
@@ -5121,14 +5630,14 @@
         </p:nvSpPr>
         <p:spPr>
           <a:xfrm>
-            <a:off x="9511933" y="0"/>
-            <a:ext cx="2680067" cy="6858000"/>
+            <a:off x="1" y="0"/>
+            <a:ext cx="12192000" cy="6858000"/>
           </a:xfrm>
           <a:prstGeom prst="rect">
             <a:avLst/>
           </a:prstGeom>
           <a:solidFill>
-            <a:srgbClr val="0A7A9B"/>
+            <a:schemeClr val="tx1"/>
           </a:solidFill>
           <a:ln>
             <a:noFill/>
@@ -5161,62 +5670,10 @@
       </p:sp>
       <p:sp>
         <p:nvSpPr>
-          <p:cNvPr id="8" name="Rectangle 7">
-            <a:extLst>
-              <a:ext uri="{FF2B5EF4-FFF2-40B4-BE49-F238E27FC236}">
-                <a16:creationId xmlns:a16="http://schemas.microsoft.com/office/drawing/2014/main" id="{45294CDC-2FDF-D441-9C7C-88994F25DF30}"/>
-              </a:ext>
-            </a:extLst>
-          </p:cNvPr>
-          <p:cNvSpPr/>
-          <p:nvPr/>
-        </p:nvSpPr>
-        <p:spPr>
-          <a:xfrm>
-            <a:off x="0" y="5008098"/>
-            <a:ext cx="9917723" cy="1849902"/>
-          </a:xfrm>
-          <a:prstGeom prst="rect">
-            <a:avLst/>
-          </a:prstGeom>
-          <a:solidFill>
-            <a:srgbClr val="0A7A9B"/>
-          </a:solidFill>
-          <a:ln>
-            <a:noFill/>
-          </a:ln>
-        </p:spPr>
-        <p:style>
-          <a:lnRef idx="2">
-            <a:schemeClr val="accent1">
-              <a:shade val="50000"/>
-            </a:schemeClr>
-          </a:lnRef>
-          <a:fillRef idx="1">
-            <a:schemeClr val="accent1"/>
-          </a:fillRef>
-          <a:effectRef idx="0">
-            <a:schemeClr val="accent1"/>
-          </a:effectRef>
-          <a:fontRef idx="minor">
-            <a:schemeClr val="lt1"/>
-          </a:fontRef>
-        </p:style>
-        <p:txBody>
-          <a:bodyPr rtlCol="0" anchor="ctr"/>
-          <a:lstStyle/>
-          <a:p>
-            <a:pPr algn="ctr"/>
-            <a:endParaRPr lang="en-US"/>
-          </a:p>
-        </p:txBody>
-      </p:sp>
-      <p:sp>
-        <p:nvSpPr>
-          <p:cNvPr id="9" name="TextBox 8">
-            <a:extLst>
-              <a:ext uri="{FF2B5EF4-FFF2-40B4-BE49-F238E27FC236}">
-                <a16:creationId xmlns:a16="http://schemas.microsoft.com/office/drawing/2014/main" id="{865D03C3-A6F4-D246-A864-42263F7F10DE}"/>
+          <p:cNvPr id="10" name="TextBox 9">
+            <a:extLst>
+              <a:ext uri="{FF2B5EF4-FFF2-40B4-BE49-F238E27FC236}">
+                <a16:creationId xmlns:a16="http://schemas.microsoft.com/office/drawing/2014/main" id="{7B390D23-70DC-A245-A764-199E8047D0B8}"/>
               </a:ext>
             </a:extLst>
           </p:cNvPr>
@@ -5225,8 +5682,8 @@
         </p:nvSpPr>
         <p:spPr>
           <a:xfrm>
-            <a:off x="8472756" y="6192627"/>
-            <a:ext cx="3770141" cy="369332"/>
+            <a:off x="501063" y="1546722"/>
+            <a:ext cx="10942792" cy="3970318"/>
           </a:xfrm>
           <a:prstGeom prst="rect">
             <a:avLst/>
@@ -5239,8 +5696,12 @@
           </a:bodyPr>
           <a:lstStyle/>
           <a:p>
-            <a:r>
-              <a:rPr lang="en-US" dirty="0">
+            <a:pPr marL="571500" indent="-571500">
+              <a:buFont typeface="Arial" panose="020B0604020202020204" pitchFamily="34" charset="0"/>
+              <a:buChar char="•"/>
+            </a:pPr>
+            <a:r>
+              <a:rPr lang="en-US" sz="3600" dirty="0">
                 <a:solidFill>
                   <a:schemeClr val="bg1">
                     <a:lumMod val="85000"/>
@@ -5248,42 +5709,30 @@
                 </a:solidFill>
                 <a:latin typeface="General Sans" pitchFamily="2" charset="77"/>
               </a:rPr>
-              <a:t>Presented by Daniel Olagunju</a:t>
-            </a:r>
-          </a:p>
-        </p:txBody>
-      </p:sp>
-      <p:sp>
-        <p:nvSpPr>
-          <p:cNvPr id="10" name="TextBox 9">
-            <a:extLst>
-              <a:ext uri="{FF2B5EF4-FFF2-40B4-BE49-F238E27FC236}">
-                <a16:creationId xmlns:a16="http://schemas.microsoft.com/office/drawing/2014/main" id="{7B390D23-70DC-A245-A764-199E8047D0B8}"/>
-              </a:ext>
-            </a:extLst>
-          </p:cNvPr>
-          <p:cNvSpPr txBox="1"/>
-          <p:nvPr/>
-        </p:nvSpPr>
-        <p:spPr>
-          <a:xfrm>
-            <a:off x="6583680" y="5297269"/>
-            <a:ext cx="5143402" cy="646331"/>
-          </a:xfrm>
-          <a:prstGeom prst="rect">
-            <a:avLst/>
-          </a:prstGeom>
-          <a:noFill/>
-        </p:spPr>
-        <p:txBody>
-          <a:bodyPr wrap="square" rtlCol="0">
-            <a:spAutoFit/>
-          </a:bodyPr>
-          <a:lstStyle/>
-          <a:p>
-            <a:pPr algn="r"/>
-            <a:r>
-              <a:rPr lang="en-US" sz="3600" b="1" dirty="0">
+              <a:t>The gains of CI/CD is being enjoyed across board in the Industry. </a:t>
+            </a:r>
+          </a:p>
+          <a:p>
+            <a:pPr marL="571500" indent="-571500">
+              <a:buFont typeface="Arial" panose="020B0604020202020204" pitchFamily="34" charset="0"/>
+              <a:buChar char="•"/>
+            </a:pPr>
+            <a:endParaRPr lang="en-US" sz="3600" dirty="0">
+              <a:solidFill>
+                <a:schemeClr val="bg1">
+                  <a:lumMod val="85000"/>
+                </a:schemeClr>
+              </a:solidFill>
+              <a:latin typeface="General Sans" pitchFamily="2" charset="77"/>
+            </a:endParaRPr>
+          </a:p>
+          <a:p>
+            <a:pPr marL="571500" indent="-571500">
+              <a:buFont typeface="Arial" panose="020B0604020202020204" pitchFamily="34" charset="0"/>
+              <a:buChar char="•"/>
+            </a:pPr>
+            <a:r>
+              <a:rPr lang="en-US" sz="3600" dirty="0">
                 <a:solidFill>
                   <a:schemeClr val="bg1">
                     <a:lumMod val="85000"/>
@@ -5291,7 +5740,7 @@
                 </a:solidFill>
                 <a:latin typeface="General Sans" pitchFamily="2" charset="77"/>
               </a:rPr>
-              <a:t>Types of Web APIs</a:t>
+              <a:t>And as a world-class technology company, it is critical to leverage on the value added by CI/CD to scale our products and continually add quality value to our users.</a:t>
             </a:r>
           </a:p>
         </p:txBody>
@@ -5301,7 +5750,7 @@
           <p:cNvPr id="11" name="TextBox 10">
             <a:extLst>
               <a:ext uri="{FF2B5EF4-FFF2-40B4-BE49-F238E27FC236}">
-                <a16:creationId xmlns:a16="http://schemas.microsoft.com/office/drawing/2014/main" id="{17358258-8BDD-8C4E-9CE5-EA24438C46A9}"/>
+                <a16:creationId xmlns:a16="http://schemas.microsoft.com/office/drawing/2014/main" id="{DA9F8674-B587-9E49-94F3-2EA607F96834}"/>
               </a:ext>
             </a:extLst>
           </p:cNvPr>
@@ -5310,8 +5759,8 @@
         </p:nvSpPr>
         <p:spPr>
           <a:xfrm>
-            <a:off x="6738425" y="799197"/>
-            <a:ext cx="5143402" cy="646331"/>
+            <a:off x="398405" y="276885"/>
+            <a:ext cx="5895620" cy="646331"/>
           </a:xfrm>
           <a:prstGeom prst="rect">
             <a:avLst/>
@@ -5324,556 +5773,22 @@
           </a:bodyPr>
           <a:lstStyle/>
           <a:p>
-            <a:pPr algn="r"/>
             <a:r>
               <a:rPr lang="en-US" sz="3600" b="1" dirty="0">
                 <a:solidFill>
-                  <a:srgbClr val="FFFF00"/>
+                  <a:schemeClr val="bg1"/>
                 </a:solidFill>
                 <a:latin typeface="General Sans" pitchFamily="2" charset="77"/>
               </a:rPr>
-              <a:t>Next Week</a:t>
-            </a:r>
-          </a:p>
-        </p:txBody>
-      </p:sp>
-      <p:sp>
-        <p:nvSpPr>
-          <p:cNvPr id="4" name="Down Arrow 3">
-            <a:extLst>
-              <a:ext uri="{FF2B5EF4-FFF2-40B4-BE49-F238E27FC236}">
-                <a16:creationId xmlns:a16="http://schemas.microsoft.com/office/drawing/2014/main" id="{C08E3CFA-B48E-B74D-9222-FEF225C20F58}"/>
-              </a:ext>
-            </a:extLst>
-          </p:cNvPr>
-          <p:cNvSpPr/>
-          <p:nvPr/>
-        </p:nvSpPr>
-        <p:spPr>
-          <a:xfrm>
-            <a:off x="9838237" y="1677748"/>
-            <a:ext cx="1039178" cy="2491944"/>
-          </a:xfrm>
-          <a:prstGeom prst="downArrow">
-            <a:avLst/>
-          </a:prstGeom>
-          <a:solidFill>
-            <a:srgbClr val="FFFF00"/>
-          </a:solidFill>
-          <a:ln>
-            <a:noFill/>
-          </a:ln>
-        </p:spPr>
-        <p:style>
-          <a:lnRef idx="2">
-            <a:schemeClr val="accent1">
-              <a:shade val="50000"/>
-            </a:schemeClr>
-          </a:lnRef>
-          <a:fillRef idx="1">
-            <a:schemeClr val="accent1"/>
-          </a:fillRef>
-          <a:effectRef idx="0">
-            <a:schemeClr val="accent1"/>
-          </a:effectRef>
-          <a:fontRef idx="minor">
-            <a:schemeClr val="lt1"/>
-          </a:fontRef>
-        </p:style>
-        <p:txBody>
-          <a:bodyPr rtlCol="0" anchor="ctr"/>
-          <a:lstStyle/>
-          <a:p>
-            <a:pPr algn="ctr"/>
-            <a:endParaRPr lang="en-US"/>
+              <a:t>Conclusion</a:t>
+            </a:r>
           </a:p>
         </p:txBody>
       </p:sp>
     </p:spTree>
     <p:extLst>
       <p:ext uri="{BB962C8B-B14F-4D97-AF65-F5344CB8AC3E}">
-        <p14:creationId xmlns:p14="http://schemas.microsoft.com/office/powerpoint/2010/main" val="3217272629"/>
-      </p:ext>
-    </p:extLst>
-  </p:cSld>
-  <p:clrMapOvr>
-    <a:masterClrMapping/>
-  </p:clrMapOvr>
-</p:sld>
-</file>
-
-<file path=ppt/slides/slide6.xml><?xml version="1.0" encoding="utf-8"?>
-<p:sld xmlns:a="http://schemas.openxmlformats.org/drawingml/2006/main" xmlns:r="http://schemas.openxmlformats.org/officeDocument/2006/relationships" xmlns:p="http://schemas.openxmlformats.org/presentationml/2006/main">
-  <p:cSld>
-    <p:spTree>
-      <p:nvGrpSpPr>
-        <p:cNvPr id="1" name=""/>
-        <p:cNvGrpSpPr/>
-        <p:nvPr/>
-      </p:nvGrpSpPr>
-      <p:grpSpPr>
-        <a:xfrm>
-          <a:off x="0" y="0"/>
-          <a:ext cx="0" cy="0"/>
-          <a:chOff x="0" y="0"/>
-          <a:chExt cx="0" cy="0"/>
-        </a:xfrm>
-      </p:grpSpPr>
-      <p:sp>
-        <p:nvSpPr>
-          <p:cNvPr id="5" name="TextBox 4">
-            <a:extLst>
-              <a:ext uri="{FF2B5EF4-FFF2-40B4-BE49-F238E27FC236}">
-                <a16:creationId xmlns:a16="http://schemas.microsoft.com/office/drawing/2014/main" id="{7584B7C9-2097-A341-BD28-FF6E20637C05}"/>
-              </a:ext>
-            </a:extLst>
-          </p:cNvPr>
-          <p:cNvSpPr txBox="1"/>
-          <p:nvPr/>
-        </p:nvSpPr>
-        <p:spPr>
-          <a:xfrm>
-            <a:off x="382772" y="2459504"/>
-            <a:ext cx="6077591" cy="3600986"/>
-          </a:xfrm>
-          <a:prstGeom prst="rect">
-            <a:avLst/>
-          </a:prstGeom>
-          <a:noFill/>
-        </p:spPr>
-        <p:txBody>
-          <a:bodyPr wrap="square" rtlCol="0">
-            <a:spAutoFit/>
-          </a:bodyPr>
-          <a:lstStyle/>
-          <a:p>
-            <a:r>
-              <a:rPr lang="en-US" sz="2400" dirty="0">
-                <a:solidFill>
-                  <a:srgbClr val="0A7A9B"/>
-                </a:solidFill>
-                <a:latin typeface="General Sans" pitchFamily="2" charset="77"/>
-              </a:rPr>
-              <a:t>Because the client and server does not speak same language. </a:t>
-            </a:r>
-          </a:p>
-          <a:p>
-            <a:endParaRPr lang="en-US" sz="2400" dirty="0">
-              <a:solidFill>
-                <a:srgbClr val="0A7A9B"/>
-              </a:solidFill>
-              <a:latin typeface="General Sans" pitchFamily="2" charset="77"/>
-            </a:endParaRPr>
-          </a:p>
-          <a:p>
-            <a:r>
-              <a:rPr lang="en-US" sz="2400" dirty="0">
-                <a:solidFill>
-                  <a:srgbClr val="0A7A9B"/>
-                </a:solidFill>
-                <a:latin typeface="General Sans" pitchFamily="2" charset="77"/>
-              </a:rPr>
-              <a:t>However, API has its own language in which both server and client can understand thus making it</a:t>
-            </a:r>
-          </a:p>
-          <a:p>
-            <a:endParaRPr lang="en-US" sz="2400" dirty="0">
-              <a:solidFill>
-                <a:srgbClr val="0A7A9B"/>
-              </a:solidFill>
-              <a:latin typeface="General Sans" pitchFamily="2" charset="77"/>
-            </a:endParaRPr>
-          </a:p>
-          <a:p>
-            <a:pPr marL="800100" lvl="1" indent="-342900">
-              <a:buFont typeface="Arial" panose="020B0604020202020204" pitchFamily="34" charset="0"/>
-              <a:buChar char="•"/>
-            </a:pPr>
-            <a:r>
-              <a:rPr lang="en-US" sz="2000" dirty="0">
-                <a:solidFill>
-                  <a:srgbClr val="0A7A9B"/>
-                </a:solidFill>
-                <a:latin typeface="General Sans" pitchFamily="2" charset="77"/>
-              </a:rPr>
-              <a:t>improved data quality review</a:t>
-            </a:r>
-          </a:p>
-          <a:p>
-            <a:pPr marL="800100" lvl="1" indent="-342900">
-              <a:buFont typeface="Arial" panose="020B0604020202020204" pitchFamily="34" charset="0"/>
-              <a:buChar char="•"/>
-            </a:pPr>
-            <a:r>
-              <a:rPr lang="en-US" sz="2000" dirty="0">
-                <a:solidFill>
-                  <a:srgbClr val="0A7A9B"/>
-                </a:solidFill>
-                <a:latin typeface="General Sans" pitchFamily="2" charset="77"/>
-              </a:rPr>
-              <a:t>greater flexibility in delivering services</a:t>
-            </a:r>
-          </a:p>
-          <a:p>
-            <a:pPr marL="800100" lvl="1" indent="-342900">
-              <a:buFont typeface="Arial" panose="020B0604020202020204" pitchFamily="34" charset="0"/>
-              <a:buChar char="•"/>
-            </a:pPr>
-            <a:r>
-              <a:rPr lang="en-US" sz="2000" dirty="0">
-                <a:solidFill>
-                  <a:srgbClr val="0A7A9B"/>
-                </a:solidFill>
-                <a:latin typeface="General Sans" pitchFamily="2" charset="77"/>
-              </a:rPr>
-              <a:t>faster and easier data migration</a:t>
-            </a:r>
-            <a:endParaRPr lang="en-US" sz="2800" dirty="0">
-              <a:solidFill>
-                <a:srgbClr val="0A7A9B"/>
-              </a:solidFill>
-              <a:latin typeface="General Sans" pitchFamily="2" charset="77"/>
-            </a:endParaRPr>
-          </a:p>
-        </p:txBody>
-      </p:sp>
-      <p:sp>
-        <p:nvSpPr>
-          <p:cNvPr id="6" name="TextBox 5">
-            <a:extLst>
-              <a:ext uri="{FF2B5EF4-FFF2-40B4-BE49-F238E27FC236}">
-                <a16:creationId xmlns:a16="http://schemas.microsoft.com/office/drawing/2014/main" id="{D40AA3D8-5D13-CD48-96CD-C4F3EA8B7890}"/>
-              </a:ext>
-            </a:extLst>
-          </p:cNvPr>
-          <p:cNvSpPr txBox="1"/>
-          <p:nvPr/>
-        </p:nvSpPr>
-        <p:spPr>
-          <a:xfrm>
-            <a:off x="571402" y="420072"/>
-            <a:ext cx="5160236" cy="1200329"/>
-          </a:xfrm>
-          <a:prstGeom prst="rect">
-            <a:avLst/>
-          </a:prstGeom>
-          <a:noFill/>
-        </p:spPr>
-        <p:txBody>
-          <a:bodyPr wrap="square" rtlCol="0">
-            <a:spAutoFit/>
-          </a:bodyPr>
-          <a:lstStyle/>
-          <a:p>
-            <a:r>
-              <a:rPr lang="en-US" sz="3600" b="1" dirty="0">
-                <a:solidFill>
-                  <a:srgbClr val="0A7A9B"/>
-                </a:solidFill>
-                <a:latin typeface="General Sans" pitchFamily="2" charset="77"/>
-              </a:rPr>
-              <a:t>Why do we need an API/an </a:t>
-            </a:r>
-            <a:r>
-              <a:rPr lang="en-US" sz="3600" b="1" dirty="0" err="1">
-                <a:solidFill>
-                  <a:srgbClr val="0A7A9B"/>
-                </a:solidFill>
-                <a:latin typeface="General Sans" pitchFamily="2" charset="77"/>
-              </a:rPr>
-              <a:t>Intermidiary</a:t>
-            </a:r>
-            <a:endParaRPr lang="en-US" sz="3600" b="1" dirty="0">
-              <a:solidFill>
-                <a:srgbClr val="0A7A9B"/>
-              </a:solidFill>
-              <a:latin typeface="General Sans" pitchFamily="2" charset="77"/>
-            </a:endParaRPr>
-          </a:p>
-        </p:txBody>
-      </p:sp>
-      <p:pic>
-        <p:nvPicPr>
-          <p:cNvPr id="3074" name="Picture 2" descr="16,944 Language Barrier Stock Photos, Pictures &amp; Royalty-Free Images -  iStock">
-            <a:extLst>
-              <a:ext uri="{FF2B5EF4-FFF2-40B4-BE49-F238E27FC236}">
-                <a16:creationId xmlns:a16="http://schemas.microsoft.com/office/drawing/2014/main" id="{946EBDBF-EF3E-FD49-B8EB-B9661C5D4FC4}"/>
-              </a:ext>
-            </a:extLst>
-          </p:cNvPr>
-          <p:cNvPicPr>
-            <a:picLocks noChangeAspect="1" noChangeArrowheads="1"/>
-          </p:cNvPicPr>
-          <p:nvPr/>
-        </p:nvPicPr>
-        <p:blipFill>
-          <a:blip r:embed="rId2">
-            <a:extLst>
-              <a:ext uri="{28A0092B-C50C-407E-A947-70E740481C1C}">
-                <a14:useLocalDpi xmlns:a14="http://schemas.microsoft.com/office/drawing/2010/main" val="0"/>
-              </a:ext>
-            </a:extLst>
-          </a:blip>
-          <a:srcRect/>
-          <a:stretch>
-            <a:fillRect/>
-          </a:stretch>
-        </p:blipFill>
-        <p:spPr bwMode="auto">
-          <a:xfrm>
-            <a:off x="6460364" y="0"/>
-            <a:ext cx="5731636" cy="6858000"/>
-          </a:xfrm>
-          <a:prstGeom prst="rect">
-            <a:avLst/>
-          </a:prstGeom>
-          <a:noFill/>
-          <a:extLst>
-            <a:ext uri="{909E8E84-426E-40DD-AFC4-6F175D3DCCD1}">
-              <a14:hiddenFill xmlns:a14="http://schemas.microsoft.com/office/drawing/2010/main">
-                <a:solidFill>
-                  <a:srgbClr val="FFFFFF"/>
-                </a:solidFill>
-              </a14:hiddenFill>
-            </a:ext>
-          </a:extLst>
-        </p:spPr>
-      </p:pic>
-    </p:spTree>
-    <p:extLst>
-      <p:ext uri="{BB962C8B-B14F-4D97-AF65-F5344CB8AC3E}">
-        <p14:creationId xmlns:p14="http://schemas.microsoft.com/office/powerpoint/2010/main" val="4121975362"/>
-      </p:ext>
-    </p:extLst>
-  </p:cSld>
-  <p:clrMapOvr>
-    <a:masterClrMapping/>
-  </p:clrMapOvr>
-</p:sld>
-</file>
-
-<file path=ppt/slides/slide7.xml><?xml version="1.0" encoding="utf-8"?>
-<p:sld xmlns:a="http://schemas.openxmlformats.org/drawingml/2006/main" xmlns:r="http://schemas.openxmlformats.org/officeDocument/2006/relationships" xmlns:p="http://schemas.openxmlformats.org/presentationml/2006/main">
-  <p:cSld>
-    <p:spTree>
-      <p:nvGrpSpPr>
-        <p:cNvPr id="1" name=""/>
-        <p:cNvGrpSpPr/>
-        <p:nvPr/>
-      </p:nvGrpSpPr>
-      <p:grpSpPr>
-        <a:xfrm>
-          <a:off x="0" y="0"/>
-          <a:ext cx="0" cy="0"/>
-          <a:chOff x="0" y="0"/>
-          <a:chExt cx="0" cy="0"/>
-        </a:xfrm>
-      </p:grpSpPr>
-      <p:sp>
-        <p:nvSpPr>
-          <p:cNvPr id="5" name="TextBox 4">
-            <a:extLst>
-              <a:ext uri="{FF2B5EF4-FFF2-40B4-BE49-F238E27FC236}">
-                <a16:creationId xmlns:a16="http://schemas.microsoft.com/office/drawing/2014/main" id="{7584B7C9-2097-A341-BD28-FF6E20637C05}"/>
-              </a:ext>
-            </a:extLst>
-          </p:cNvPr>
-          <p:cNvSpPr txBox="1"/>
-          <p:nvPr/>
-        </p:nvSpPr>
-        <p:spPr>
-          <a:xfrm>
-            <a:off x="354419" y="1417514"/>
-            <a:ext cx="11483162" cy="4524315"/>
-          </a:xfrm>
-          <a:prstGeom prst="rect">
-            <a:avLst/>
-          </a:prstGeom>
-          <a:noFill/>
-        </p:spPr>
-        <p:txBody>
-          <a:bodyPr wrap="square" rtlCol="0">
-            <a:spAutoFit/>
-          </a:bodyPr>
-          <a:lstStyle/>
-          <a:p>
-            <a:pPr marL="342900" indent="-342900" fontAlgn="base">
-              <a:buFont typeface="Arial" panose="020B0604020202020204" pitchFamily="34" charset="0"/>
-              <a:buChar char="•"/>
-            </a:pPr>
-            <a:r>
-              <a:rPr lang="en-US" sz="2400" b="1" dirty="0">
-                <a:solidFill>
-                  <a:srgbClr val="0A7A9B"/>
-                </a:solidFill>
-                <a:latin typeface="General Sans" pitchFamily="2" charset="77"/>
-              </a:rPr>
-              <a:t>SOAP (SIMPLE OBJECT ACCESS PROTOCOL): </a:t>
-            </a:r>
-            <a:r>
-              <a:rPr lang="en-US" sz="2400" dirty="0">
-                <a:solidFill>
-                  <a:srgbClr val="0A7A9B"/>
-                </a:solidFill>
-                <a:latin typeface="General Sans" pitchFamily="2" charset="77"/>
-              </a:rPr>
-              <a:t>It defines messages in XML format used by web applications to communicate with each other.</a:t>
-            </a:r>
-          </a:p>
-          <a:p>
-            <a:pPr marL="342900" indent="-342900" fontAlgn="base">
-              <a:buFont typeface="Arial" panose="020B0604020202020204" pitchFamily="34" charset="0"/>
-              <a:buChar char="•"/>
-            </a:pPr>
-            <a:endParaRPr lang="en-US" sz="2400" dirty="0">
-              <a:solidFill>
-                <a:srgbClr val="0A7A9B"/>
-              </a:solidFill>
-              <a:latin typeface="General Sans" pitchFamily="2" charset="77"/>
-            </a:endParaRPr>
-          </a:p>
-          <a:p>
-            <a:pPr marL="342900" indent="-342900" fontAlgn="base">
-              <a:buFont typeface="Arial" panose="020B0604020202020204" pitchFamily="34" charset="0"/>
-              <a:buChar char="•"/>
-            </a:pPr>
-            <a:r>
-              <a:rPr lang="en-US" sz="2400" b="1" dirty="0">
-                <a:solidFill>
-                  <a:srgbClr val="0A7A9B"/>
-                </a:solidFill>
-                <a:latin typeface="General Sans" pitchFamily="2" charset="77"/>
-              </a:rPr>
-              <a:t>REST (Representational State Transfer): </a:t>
-            </a:r>
-            <a:r>
-              <a:rPr lang="en-US" sz="2400" dirty="0">
-                <a:solidFill>
-                  <a:srgbClr val="0A7A9B"/>
-                </a:solidFill>
-                <a:latin typeface="General Sans" pitchFamily="2" charset="77"/>
-              </a:rPr>
-              <a:t>It makes use of HTTP to GET, POST, PUT, or DELETE data. It is basically used to take advantage of the existing data.</a:t>
-            </a:r>
-          </a:p>
-          <a:p>
-            <a:pPr marL="342900" indent="-342900" fontAlgn="base">
-              <a:buFont typeface="Arial" panose="020B0604020202020204" pitchFamily="34" charset="0"/>
-              <a:buChar char="•"/>
-            </a:pPr>
-            <a:endParaRPr lang="en-US" sz="2400" dirty="0">
-              <a:solidFill>
-                <a:srgbClr val="0A7A9B"/>
-              </a:solidFill>
-              <a:latin typeface="General Sans" pitchFamily="2" charset="77"/>
-            </a:endParaRPr>
-          </a:p>
-          <a:p>
-            <a:pPr marL="342900" indent="-342900" fontAlgn="base">
-              <a:buFont typeface="Arial" panose="020B0604020202020204" pitchFamily="34" charset="0"/>
-              <a:buChar char="•"/>
-            </a:pPr>
-            <a:r>
-              <a:rPr lang="en-US" sz="2400" b="1" dirty="0">
-                <a:solidFill>
-                  <a:srgbClr val="0A7A9B"/>
-                </a:solidFill>
-                <a:latin typeface="General Sans" pitchFamily="2" charset="77"/>
-              </a:rPr>
-              <a:t>JSON-RPC: </a:t>
-            </a:r>
-            <a:r>
-              <a:rPr lang="en-US" sz="2400" dirty="0">
-                <a:solidFill>
-                  <a:srgbClr val="0A7A9B"/>
-                </a:solidFill>
-                <a:latin typeface="General Sans" pitchFamily="2" charset="77"/>
-              </a:rPr>
-              <a:t>It use JSON for data transfer and is a light-weight remote procedural call defining few data structure types.</a:t>
-            </a:r>
-          </a:p>
-          <a:p>
-            <a:pPr marL="342900" indent="-342900" fontAlgn="base">
-              <a:buFont typeface="Arial" panose="020B0604020202020204" pitchFamily="34" charset="0"/>
-              <a:buChar char="•"/>
-            </a:pPr>
-            <a:endParaRPr lang="en-US" sz="2400" dirty="0">
-              <a:solidFill>
-                <a:srgbClr val="0A7A9B"/>
-              </a:solidFill>
-              <a:latin typeface="General Sans" pitchFamily="2" charset="77"/>
-            </a:endParaRPr>
-          </a:p>
-          <a:p>
-            <a:pPr marL="342900" indent="-342900" fontAlgn="base">
-              <a:buFont typeface="Arial" panose="020B0604020202020204" pitchFamily="34" charset="0"/>
-              <a:buChar char="•"/>
-            </a:pPr>
-            <a:r>
-              <a:rPr lang="en-US" sz="2400" b="1" dirty="0">
-                <a:solidFill>
-                  <a:srgbClr val="0A7A9B"/>
-                </a:solidFill>
-                <a:latin typeface="General Sans" pitchFamily="2" charset="77"/>
-              </a:rPr>
-              <a:t>XML-RPC: </a:t>
-            </a:r>
-            <a:r>
-              <a:rPr lang="en-US" sz="2400" dirty="0">
-                <a:solidFill>
-                  <a:srgbClr val="0A7A9B"/>
-                </a:solidFill>
-                <a:latin typeface="General Sans" pitchFamily="2" charset="77"/>
-              </a:rPr>
-              <a:t>It is based on XML and uses HTTP for data transfer. This API is widely used to exchange information between two or more networks.</a:t>
-            </a:r>
-          </a:p>
-        </p:txBody>
-      </p:sp>
-      <p:sp>
-        <p:nvSpPr>
-          <p:cNvPr id="6" name="TextBox 5">
-            <a:extLst>
-              <a:ext uri="{FF2B5EF4-FFF2-40B4-BE49-F238E27FC236}">
-                <a16:creationId xmlns:a16="http://schemas.microsoft.com/office/drawing/2014/main" id="{D40AA3D8-5D13-CD48-96CD-C4F3EA8B7890}"/>
-              </a:ext>
-            </a:extLst>
-          </p:cNvPr>
-          <p:cNvSpPr txBox="1"/>
-          <p:nvPr/>
-        </p:nvSpPr>
-        <p:spPr>
-          <a:xfrm>
-            <a:off x="571402" y="420072"/>
-            <a:ext cx="5160236" cy="646331"/>
-          </a:xfrm>
-          <a:prstGeom prst="rect">
-            <a:avLst/>
-          </a:prstGeom>
-          <a:noFill/>
-        </p:spPr>
-        <p:txBody>
-          <a:bodyPr wrap="square" rtlCol="0">
-            <a:spAutoFit/>
-          </a:bodyPr>
-          <a:lstStyle/>
-          <a:p>
-            <a:r>
-              <a:rPr lang="en-US" sz="3600" b="1" dirty="0">
-                <a:solidFill>
-                  <a:srgbClr val="0A7A9B"/>
-                </a:solidFill>
-                <a:latin typeface="General Sans" pitchFamily="2" charset="77"/>
-              </a:rPr>
-              <a:t>Types of Web APIs</a:t>
-            </a:r>
-          </a:p>
-        </p:txBody>
-      </p:sp>
-    </p:spTree>
-    <p:extLst>
-      <p:ext uri="{BB962C8B-B14F-4D97-AF65-F5344CB8AC3E}">
-        <p14:creationId xmlns:p14="http://schemas.microsoft.com/office/powerpoint/2010/main" val="3226451876"/>
+        <p14:creationId xmlns:p14="http://schemas.microsoft.com/office/powerpoint/2010/main" val="2654778160"/>
       </p:ext>
     </p:extLst>
   </p:cSld>
